--- a/digital_menu_card_ppt.pptx
+++ b/digital_menu_card_ppt.pptx
@@ -119,7 +119,7 @@
   </p:defaultTextStyle>
   <p:extLst>
     <p:ext uri="{EFAFB233-063F-42B5-8137-9DF3F51BA10A}">
-      <p15:sldGuideLst xmlns:p15="http://schemas.microsoft.com/office/powerpoint/2012/main" xmlns="">
+      <p15:sldGuideLst xmlns:p15="http://schemas.microsoft.com/office/powerpoint/2012/main">
         <p15:guide id="1" orient="horz" pos="2160">
           <p15:clr>
             <a:srgbClr val="A4A3A4"/>
@@ -266,7 +266,7 @@
             <a:fld id="{3FDFAF59-80FD-42F8-B77B-6179688B7234}" type="datetimeFigureOut">
               <a:rPr lang="de-DE" smtClean="0"/>
               <a:pPr/>
-              <a:t>11.04.2020</a:t>
+              <a:t>01.05.2020</a:t>
             </a:fld>
             <a:endParaRPr lang="de-DE"/>
           </a:p>
@@ -318,7 +318,7 @@
     </p:spTree>
     <p:extLst>
       <p:ext uri="{BB962C8B-B14F-4D97-AF65-F5344CB8AC3E}">
-        <p14:creationId xmlns:p14="http://schemas.microsoft.com/office/powerpoint/2010/main" xmlns="" val="460364726"/>
+        <p14:creationId xmlns:p14="http://schemas.microsoft.com/office/powerpoint/2010/main" val="460364726"/>
       </p:ext>
     </p:extLst>
   </p:cSld>
@@ -436,7 +436,7 @@
             <a:fld id="{3FDFAF59-80FD-42F8-B77B-6179688B7234}" type="datetimeFigureOut">
               <a:rPr lang="de-DE" smtClean="0"/>
               <a:pPr/>
-              <a:t>11.04.2020</a:t>
+              <a:t>01.05.2020</a:t>
             </a:fld>
             <a:endParaRPr lang="de-DE"/>
           </a:p>
@@ -488,7 +488,7 @@
     </p:spTree>
     <p:extLst>
       <p:ext uri="{BB962C8B-B14F-4D97-AF65-F5344CB8AC3E}">
-        <p14:creationId xmlns:p14="http://schemas.microsoft.com/office/powerpoint/2010/main" xmlns="" val="2646635906"/>
+        <p14:creationId xmlns:p14="http://schemas.microsoft.com/office/powerpoint/2010/main" val="2646635906"/>
       </p:ext>
     </p:extLst>
   </p:cSld>
@@ -616,7 +616,7 @@
             <a:fld id="{3FDFAF59-80FD-42F8-B77B-6179688B7234}" type="datetimeFigureOut">
               <a:rPr lang="de-DE" smtClean="0"/>
               <a:pPr/>
-              <a:t>11.04.2020</a:t>
+              <a:t>01.05.2020</a:t>
             </a:fld>
             <a:endParaRPr lang="de-DE"/>
           </a:p>
@@ -668,7 +668,7 @@
     </p:spTree>
     <p:extLst>
       <p:ext uri="{BB962C8B-B14F-4D97-AF65-F5344CB8AC3E}">
-        <p14:creationId xmlns:p14="http://schemas.microsoft.com/office/powerpoint/2010/main" xmlns="" val="2947111448"/>
+        <p14:creationId xmlns:p14="http://schemas.microsoft.com/office/powerpoint/2010/main" val="2947111448"/>
       </p:ext>
     </p:extLst>
   </p:cSld>
@@ -786,7 +786,7 @@
             <a:fld id="{3FDFAF59-80FD-42F8-B77B-6179688B7234}" type="datetimeFigureOut">
               <a:rPr lang="de-DE" smtClean="0"/>
               <a:pPr/>
-              <a:t>11.04.2020</a:t>
+              <a:t>01.05.2020</a:t>
             </a:fld>
             <a:endParaRPr lang="de-DE"/>
           </a:p>
@@ -838,7 +838,7 @@
     </p:spTree>
     <p:extLst>
       <p:ext uri="{BB962C8B-B14F-4D97-AF65-F5344CB8AC3E}">
-        <p14:creationId xmlns:p14="http://schemas.microsoft.com/office/powerpoint/2010/main" xmlns="" val="874677234"/>
+        <p14:creationId xmlns:p14="http://schemas.microsoft.com/office/powerpoint/2010/main" val="874677234"/>
       </p:ext>
     </p:extLst>
   </p:cSld>
@@ -1033,7 +1033,7 @@
             <a:fld id="{3FDFAF59-80FD-42F8-B77B-6179688B7234}" type="datetimeFigureOut">
               <a:rPr lang="de-DE" smtClean="0"/>
               <a:pPr/>
-              <a:t>11.04.2020</a:t>
+              <a:t>01.05.2020</a:t>
             </a:fld>
             <a:endParaRPr lang="de-DE"/>
           </a:p>
@@ -1085,7 +1085,7 @@
     </p:spTree>
     <p:extLst>
       <p:ext uri="{BB962C8B-B14F-4D97-AF65-F5344CB8AC3E}">
-        <p14:creationId xmlns:p14="http://schemas.microsoft.com/office/powerpoint/2010/main" xmlns="" val="3625361754"/>
+        <p14:creationId xmlns:p14="http://schemas.microsoft.com/office/powerpoint/2010/main" val="3625361754"/>
       </p:ext>
     </p:extLst>
   </p:cSld>
@@ -1264,7 +1264,7 @@
             <a:fld id="{3FDFAF59-80FD-42F8-B77B-6179688B7234}" type="datetimeFigureOut">
               <a:rPr lang="de-DE" smtClean="0"/>
               <a:pPr/>
-              <a:t>11.04.2020</a:t>
+              <a:t>01.05.2020</a:t>
             </a:fld>
             <a:endParaRPr lang="de-DE"/>
           </a:p>
@@ -1316,7 +1316,7 @@
     </p:spTree>
     <p:extLst>
       <p:ext uri="{BB962C8B-B14F-4D97-AF65-F5344CB8AC3E}">
-        <p14:creationId xmlns:p14="http://schemas.microsoft.com/office/powerpoint/2010/main" xmlns="" val="3794036790"/>
+        <p14:creationId xmlns:p14="http://schemas.microsoft.com/office/powerpoint/2010/main" val="3794036790"/>
       </p:ext>
     </p:extLst>
   </p:cSld>
@@ -1630,7 +1630,7 @@
             <a:fld id="{3FDFAF59-80FD-42F8-B77B-6179688B7234}" type="datetimeFigureOut">
               <a:rPr lang="de-DE" smtClean="0"/>
               <a:pPr/>
-              <a:t>11.04.2020</a:t>
+              <a:t>01.05.2020</a:t>
             </a:fld>
             <a:endParaRPr lang="de-DE"/>
           </a:p>
@@ -1682,7 +1682,7 @@
     </p:spTree>
     <p:extLst>
       <p:ext uri="{BB962C8B-B14F-4D97-AF65-F5344CB8AC3E}">
-        <p14:creationId xmlns:p14="http://schemas.microsoft.com/office/powerpoint/2010/main" xmlns="" val="3413770671"/>
+        <p14:creationId xmlns:p14="http://schemas.microsoft.com/office/powerpoint/2010/main" val="3413770671"/>
       </p:ext>
     </p:extLst>
   </p:cSld>
@@ -1749,7 +1749,7 @@
             <a:fld id="{3FDFAF59-80FD-42F8-B77B-6179688B7234}" type="datetimeFigureOut">
               <a:rPr lang="de-DE" smtClean="0"/>
               <a:pPr/>
-              <a:t>11.04.2020</a:t>
+              <a:t>01.05.2020</a:t>
             </a:fld>
             <a:endParaRPr lang="de-DE"/>
           </a:p>
@@ -1801,7 +1801,7 @@
     </p:spTree>
     <p:extLst>
       <p:ext uri="{BB962C8B-B14F-4D97-AF65-F5344CB8AC3E}">
-        <p14:creationId xmlns:p14="http://schemas.microsoft.com/office/powerpoint/2010/main" xmlns="" val="2440331915"/>
+        <p14:creationId xmlns:p14="http://schemas.microsoft.com/office/powerpoint/2010/main" val="2440331915"/>
       </p:ext>
     </p:extLst>
   </p:cSld>
@@ -1846,7 +1846,7 @@
             <a:fld id="{3FDFAF59-80FD-42F8-B77B-6179688B7234}" type="datetimeFigureOut">
               <a:rPr lang="de-DE" smtClean="0"/>
               <a:pPr/>
-              <a:t>11.04.2020</a:t>
+              <a:t>01.05.2020</a:t>
             </a:fld>
             <a:endParaRPr lang="de-DE"/>
           </a:p>
@@ -1898,7 +1898,7 @@
     </p:spTree>
     <p:extLst>
       <p:ext uri="{BB962C8B-B14F-4D97-AF65-F5344CB8AC3E}">
-        <p14:creationId xmlns:p14="http://schemas.microsoft.com/office/powerpoint/2010/main" xmlns="" val="3061956811"/>
+        <p14:creationId xmlns:p14="http://schemas.microsoft.com/office/powerpoint/2010/main" val="3061956811"/>
       </p:ext>
     </p:extLst>
   </p:cSld>
@@ -2123,7 +2123,7 @@
             <a:fld id="{3FDFAF59-80FD-42F8-B77B-6179688B7234}" type="datetimeFigureOut">
               <a:rPr lang="de-DE" smtClean="0"/>
               <a:pPr/>
-              <a:t>11.04.2020</a:t>
+              <a:t>01.05.2020</a:t>
             </a:fld>
             <a:endParaRPr lang="de-DE"/>
           </a:p>
@@ -2175,7 +2175,7 @@
     </p:spTree>
     <p:extLst>
       <p:ext uri="{BB962C8B-B14F-4D97-AF65-F5344CB8AC3E}">
-        <p14:creationId xmlns:p14="http://schemas.microsoft.com/office/powerpoint/2010/main" xmlns="" val="3616004287"/>
+        <p14:creationId xmlns:p14="http://schemas.microsoft.com/office/powerpoint/2010/main" val="3616004287"/>
       </p:ext>
     </p:extLst>
   </p:cSld>
@@ -2377,7 +2377,7 @@
             <a:fld id="{3FDFAF59-80FD-42F8-B77B-6179688B7234}" type="datetimeFigureOut">
               <a:rPr lang="de-DE" smtClean="0"/>
               <a:pPr/>
-              <a:t>11.04.2020</a:t>
+              <a:t>01.05.2020</a:t>
             </a:fld>
             <a:endParaRPr lang="de-DE"/>
           </a:p>
@@ -2429,7 +2429,7 @@
     </p:spTree>
     <p:extLst>
       <p:ext uri="{BB962C8B-B14F-4D97-AF65-F5344CB8AC3E}">
-        <p14:creationId xmlns:p14="http://schemas.microsoft.com/office/powerpoint/2010/main" xmlns="" val="1126898743"/>
+        <p14:creationId xmlns:p14="http://schemas.microsoft.com/office/powerpoint/2010/main" val="1126898743"/>
       </p:ext>
     </p:extLst>
   </p:cSld>
@@ -2593,7 +2593,7 @@
             <a:fld id="{3FDFAF59-80FD-42F8-B77B-6179688B7234}" type="datetimeFigureOut">
               <a:rPr lang="de-DE" smtClean="0"/>
               <a:pPr/>
-              <a:t>11.04.2020</a:t>
+              <a:t>01.05.2020</a:t>
             </a:fld>
             <a:endParaRPr lang="de-DE"/>
           </a:p>
@@ -2681,7 +2681,7 @@
     </p:spTree>
     <p:extLst>
       <p:ext uri="{BB962C8B-B14F-4D97-AF65-F5344CB8AC3E}">
-        <p14:creationId xmlns:p14="http://schemas.microsoft.com/office/powerpoint/2010/main" xmlns="" val="3731875219"/>
+        <p14:creationId xmlns:p14="http://schemas.microsoft.com/office/powerpoint/2010/main" val="3731875219"/>
       </p:ext>
     </p:extLst>
   </p:cSld>
@@ -3004,7 +3004,7 @@
           <p:cNvPr id="50" name="TextBox 49">
             <a:extLst>
               <a:ext uri="{FF2B5EF4-FFF2-40B4-BE49-F238E27FC236}">
-                <a16:creationId xmlns:a16="http://schemas.microsoft.com/office/drawing/2014/main" xmlns="" id="{9EB0FD16-689C-476C-8309-C7173C257513}"/>
+                <a16:creationId xmlns="" xmlns:a16="http://schemas.microsoft.com/office/drawing/2014/main" id="{9EB0FD16-689C-476C-8309-C7173C257513}"/>
               </a:ext>
             </a:extLst>
           </p:cNvPr>
@@ -3051,7 +3051,7 @@
           <p:cNvPr id="51" name="Group 50">
             <a:extLst>
               <a:ext uri="{FF2B5EF4-FFF2-40B4-BE49-F238E27FC236}">
-                <a16:creationId xmlns:a16="http://schemas.microsoft.com/office/drawing/2014/main" xmlns="" id="{312CB825-EAFB-4901-8C7E-D5477E0D31C8}"/>
+                <a16:creationId xmlns="" xmlns:a16="http://schemas.microsoft.com/office/drawing/2014/main" id="{312CB825-EAFB-4901-8C7E-D5477E0D31C8}"/>
               </a:ext>
             </a:extLst>
           </p:cNvPr>
@@ -3071,7 +3071,7 @@
             <p:cNvPr id="52" name="Oval 51">
               <a:extLst>
                 <a:ext uri="{FF2B5EF4-FFF2-40B4-BE49-F238E27FC236}">
-                  <a16:creationId xmlns:a16="http://schemas.microsoft.com/office/drawing/2014/main" xmlns="" id="{A88C5CD2-8D88-4E1A-968C-C3E256B4316C}"/>
+                  <a16:creationId xmlns="" xmlns:a16="http://schemas.microsoft.com/office/drawing/2014/main" id="{A88C5CD2-8D88-4E1A-968C-C3E256B4316C}"/>
                 </a:ext>
               </a:extLst>
             </p:cNvPr>
@@ -3123,7 +3123,7 @@
             <p:cNvPr id="53" name="Oval 52">
               <a:extLst>
                 <a:ext uri="{FF2B5EF4-FFF2-40B4-BE49-F238E27FC236}">
-                  <a16:creationId xmlns:a16="http://schemas.microsoft.com/office/drawing/2014/main" xmlns="" id="{39CA212B-3524-454E-9129-17FD0E8983F0}"/>
+                  <a16:creationId xmlns="" xmlns:a16="http://schemas.microsoft.com/office/drawing/2014/main" id="{39CA212B-3524-454E-9129-17FD0E8983F0}"/>
                 </a:ext>
               </a:extLst>
             </p:cNvPr>
@@ -3175,7 +3175,7 @@
             <p:cNvPr id="54" name="Oval 53">
               <a:extLst>
                 <a:ext uri="{FF2B5EF4-FFF2-40B4-BE49-F238E27FC236}">
-                  <a16:creationId xmlns:a16="http://schemas.microsoft.com/office/drawing/2014/main" xmlns="" id="{6487D07D-4424-43AA-9CF5-4A04A38B6C2D}"/>
+                  <a16:creationId xmlns="" xmlns:a16="http://schemas.microsoft.com/office/drawing/2014/main" id="{6487D07D-4424-43AA-9CF5-4A04A38B6C2D}"/>
                 </a:ext>
               </a:extLst>
             </p:cNvPr>
@@ -3227,7 +3227,7 @@
             <p:cNvPr id="55" name="Oval 54">
               <a:extLst>
                 <a:ext uri="{FF2B5EF4-FFF2-40B4-BE49-F238E27FC236}">
-                  <a16:creationId xmlns:a16="http://schemas.microsoft.com/office/drawing/2014/main" xmlns="" id="{51E021E3-C26E-4AB9-81EB-239E3D1BBAB2}"/>
+                  <a16:creationId xmlns="" xmlns:a16="http://schemas.microsoft.com/office/drawing/2014/main" id="{51E021E3-C26E-4AB9-81EB-239E3D1BBAB2}"/>
                 </a:ext>
               </a:extLst>
             </p:cNvPr>
@@ -3279,7 +3279,7 @@
             <p:cNvPr id="56" name="Oval 55">
               <a:extLst>
                 <a:ext uri="{FF2B5EF4-FFF2-40B4-BE49-F238E27FC236}">
-                  <a16:creationId xmlns:a16="http://schemas.microsoft.com/office/drawing/2014/main" xmlns="" id="{85AD4D6E-2D38-486B-8F61-738D1E4773C2}"/>
+                  <a16:creationId xmlns="" xmlns:a16="http://schemas.microsoft.com/office/drawing/2014/main" id="{85AD4D6E-2D38-486B-8F61-738D1E4773C2}"/>
                 </a:ext>
               </a:extLst>
             </p:cNvPr>
@@ -3331,7 +3331,7 @@
             <p:cNvPr id="59" name="Oval 58">
               <a:extLst>
                 <a:ext uri="{FF2B5EF4-FFF2-40B4-BE49-F238E27FC236}">
-                  <a16:creationId xmlns:a16="http://schemas.microsoft.com/office/drawing/2014/main" xmlns="" id="{D88F111D-10A0-4CCB-B20B-B33508AA6193}"/>
+                  <a16:creationId xmlns="" xmlns:a16="http://schemas.microsoft.com/office/drawing/2014/main" id="{D88F111D-10A0-4CCB-B20B-B33508AA6193}"/>
                 </a:ext>
               </a:extLst>
             </p:cNvPr>
@@ -3384,7 +3384,7 @@
           <p:cNvPr id="57" name="TextBox 56">
             <a:extLst>
               <a:ext uri="{FF2B5EF4-FFF2-40B4-BE49-F238E27FC236}">
-                <a16:creationId xmlns:a16="http://schemas.microsoft.com/office/drawing/2014/main" xmlns="" id="{4F202974-31A3-4642-B671-F0DBBB7B4663}"/>
+                <a16:creationId xmlns="" xmlns:a16="http://schemas.microsoft.com/office/drawing/2014/main" id="{4F202974-31A3-4642-B671-F0DBBB7B4663}"/>
               </a:ext>
             </a:extLst>
           </p:cNvPr>
@@ -3467,7 +3467,7 @@
           <p:cNvPr id="58" name="TextBox 57">
             <a:extLst>
               <a:ext uri="{FF2B5EF4-FFF2-40B4-BE49-F238E27FC236}">
-                <a16:creationId xmlns:a16="http://schemas.microsoft.com/office/drawing/2014/main" xmlns="" id="{79BCE1F0-A71E-4D4B-BE6A-A381604C28D2}"/>
+                <a16:creationId xmlns="" xmlns:a16="http://schemas.microsoft.com/office/drawing/2014/main" id="{79BCE1F0-A71E-4D4B-BE6A-A381604C28D2}"/>
               </a:ext>
             </a:extLst>
           </p:cNvPr>
@@ -3601,7 +3601,7 @@
           <p:cNvPr id="19" name="Group 18">
             <a:extLst>
               <a:ext uri="{FF2B5EF4-FFF2-40B4-BE49-F238E27FC236}">
-                <a16:creationId xmlns:a16="http://schemas.microsoft.com/office/drawing/2014/main" xmlns="" id="{C8A16B82-6A3C-46F5-8D32-072FDF89864A}"/>
+                <a16:creationId xmlns="" xmlns:a16="http://schemas.microsoft.com/office/drawing/2014/main" id="{C8A16B82-6A3C-46F5-8D32-072FDF89864A}"/>
               </a:ext>
             </a:extLst>
           </p:cNvPr>
@@ -3621,7 +3621,7 @@
             <p:cNvPr id="20" name="Rectangle 19">
               <a:extLst>
                 <a:ext uri="{FF2B5EF4-FFF2-40B4-BE49-F238E27FC236}">
-                  <a16:creationId xmlns:a16="http://schemas.microsoft.com/office/drawing/2014/main" xmlns="" id="{2F391CEE-E392-4A9D-BD11-6954B994FB42}"/>
+                  <a16:creationId xmlns="" xmlns:a16="http://schemas.microsoft.com/office/drawing/2014/main" id="{2F391CEE-E392-4A9D-BD11-6954B994FB42}"/>
                 </a:ext>
               </a:extLst>
             </p:cNvPr>
@@ -3682,7 +3682,7 @@
             <p:cNvPr id="21" name="Freeform: Shape 20">
               <a:extLst>
                 <a:ext uri="{FF2B5EF4-FFF2-40B4-BE49-F238E27FC236}">
-                  <a16:creationId xmlns:a16="http://schemas.microsoft.com/office/drawing/2014/main" xmlns="" id="{7AC43ACA-5000-40E2-80D3-19833F9F1A3F}"/>
+                  <a16:creationId xmlns="" xmlns:a16="http://schemas.microsoft.com/office/drawing/2014/main" id="{7AC43ACA-5000-40E2-80D3-19833F9F1A3F}"/>
                 </a:ext>
               </a:extLst>
             </p:cNvPr>
@@ -3789,7 +3789,7 @@
             <p:cNvPr id="22" name="TextBox 21">
               <a:extLst>
                 <a:ext uri="{FF2B5EF4-FFF2-40B4-BE49-F238E27FC236}">
-                  <a16:creationId xmlns:a16="http://schemas.microsoft.com/office/drawing/2014/main" xmlns="" id="{BE022673-C77C-4E8F-AF41-8B283703E87E}"/>
+                  <a16:creationId xmlns="" xmlns:a16="http://schemas.microsoft.com/office/drawing/2014/main" id="{BE022673-C77C-4E8F-AF41-8B283703E87E}"/>
                 </a:ext>
               </a:extLst>
             </p:cNvPr>
@@ -3835,7 +3835,7 @@
     </p:spTree>
     <p:extLst>
       <p:ext uri="{BB962C8B-B14F-4D97-AF65-F5344CB8AC3E}">
-        <p14:creationId xmlns:p14="http://schemas.microsoft.com/office/powerpoint/2010/main" xmlns="" val="758661002"/>
+        <p14:creationId xmlns:p14="http://schemas.microsoft.com/office/powerpoint/2010/main" val="758661002"/>
       </p:ext>
     </p:extLst>
   </p:cSld>
@@ -3843,7 +3843,7 @@
     <a:masterClrMapping/>
   </p:clrMapOvr>
   <mc:AlternateContent xmlns:mc="http://schemas.openxmlformats.org/markup-compatibility/2006">
-    <mc:Choice xmlns:p159="http://schemas.microsoft.com/office/powerpoint/2015/09/main" xmlns="" Requires="p159">
+    <mc:Choice xmlns="" xmlns:p159="http://schemas.microsoft.com/office/powerpoint/2015/09/main" Requires="p159">
       <p:transition spd="med">
         <p159:morph option="byObject"/>
       </p:transition>
@@ -3886,7 +3886,7 @@
           <p:cNvPr id="2" name="Group 59">
             <a:extLst>
               <a:ext uri="{FF2B5EF4-FFF2-40B4-BE49-F238E27FC236}">
-                <a16:creationId xmlns:a16="http://schemas.microsoft.com/office/drawing/2014/main" xmlns="" id="{7728BA24-99D1-4E44-98AC-50745A94AD6C}"/>
+                <a16:creationId xmlns="" xmlns:a16="http://schemas.microsoft.com/office/drawing/2014/main" id="{7728BA24-99D1-4E44-98AC-50745A94AD6C}"/>
               </a:ext>
             </a:extLst>
           </p:cNvPr>
@@ -3906,7 +3906,7 @@
             <p:cNvPr id="61" name="Rectangle 60">
               <a:extLst>
                 <a:ext uri="{FF2B5EF4-FFF2-40B4-BE49-F238E27FC236}">
-                  <a16:creationId xmlns:a16="http://schemas.microsoft.com/office/drawing/2014/main" xmlns="" id="{1079FD4E-778D-428A-B08F-1B97893971C7}"/>
+                  <a16:creationId xmlns="" xmlns:a16="http://schemas.microsoft.com/office/drawing/2014/main" id="{1079FD4E-778D-428A-B08F-1B97893971C7}"/>
                 </a:ext>
               </a:extLst>
             </p:cNvPr>
@@ -3967,7 +3967,7 @@
             <p:cNvPr id="62" name="Freeform: Shape 61">
               <a:extLst>
                 <a:ext uri="{FF2B5EF4-FFF2-40B4-BE49-F238E27FC236}">
-                  <a16:creationId xmlns:a16="http://schemas.microsoft.com/office/drawing/2014/main" xmlns="" id="{67DB4514-65BA-420D-BBB3-CCF0A5B397CB}"/>
+                  <a16:creationId xmlns="" xmlns:a16="http://schemas.microsoft.com/office/drawing/2014/main" id="{67DB4514-65BA-420D-BBB3-CCF0A5B397CB}"/>
                 </a:ext>
               </a:extLst>
             </p:cNvPr>
@@ -4074,7 +4074,7 @@
             <p:cNvPr id="63" name="TextBox 62">
               <a:extLst>
                 <a:ext uri="{FF2B5EF4-FFF2-40B4-BE49-F238E27FC236}">
-                  <a16:creationId xmlns:a16="http://schemas.microsoft.com/office/drawing/2014/main" xmlns="" id="{F86CE46E-7143-4535-BF09-36D36B082851}"/>
+                  <a16:creationId xmlns="" xmlns:a16="http://schemas.microsoft.com/office/drawing/2014/main" id="{F86CE46E-7143-4535-BF09-36D36B082851}"/>
                 </a:ext>
               </a:extLst>
             </p:cNvPr>
@@ -4122,7 +4122,7 @@
           <p:cNvPr id="3" name="Group 64">
             <a:extLst>
               <a:ext uri="{FF2B5EF4-FFF2-40B4-BE49-F238E27FC236}">
-                <a16:creationId xmlns:a16="http://schemas.microsoft.com/office/drawing/2014/main" xmlns="" id="{2704DBF9-F2DF-4744-9CBE-8384BF790E0F}"/>
+                <a16:creationId xmlns="" xmlns:a16="http://schemas.microsoft.com/office/drawing/2014/main" id="{2704DBF9-F2DF-4744-9CBE-8384BF790E0F}"/>
               </a:ext>
             </a:extLst>
           </p:cNvPr>
@@ -4142,7 +4142,7 @@
             <p:cNvPr id="66" name="Rectangle 65">
               <a:extLst>
                 <a:ext uri="{FF2B5EF4-FFF2-40B4-BE49-F238E27FC236}">
-                  <a16:creationId xmlns:a16="http://schemas.microsoft.com/office/drawing/2014/main" xmlns="" id="{D409FCBC-490E-4134-BE82-9429CE5AB00A}"/>
+                  <a16:creationId xmlns="" xmlns:a16="http://schemas.microsoft.com/office/drawing/2014/main" id="{D409FCBC-490E-4134-BE82-9429CE5AB00A}"/>
                 </a:ext>
               </a:extLst>
             </p:cNvPr>
@@ -4203,7 +4203,7 @@
             <p:cNvPr id="67" name="Freeform: Shape 66">
               <a:extLst>
                 <a:ext uri="{FF2B5EF4-FFF2-40B4-BE49-F238E27FC236}">
-                  <a16:creationId xmlns:a16="http://schemas.microsoft.com/office/drawing/2014/main" xmlns="" id="{484E2370-4D03-4FD0-B29C-F763767296D4}"/>
+                  <a16:creationId xmlns="" xmlns:a16="http://schemas.microsoft.com/office/drawing/2014/main" id="{484E2370-4D03-4FD0-B29C-F763767296D4}"/>
                 </a:ext>
               </a:extLst>
             </p:cNvPr>
@@ -4310,7 +4310,7 @@
             <p:cNvPr id="68" name="TextBox 67">
               <a:extLst>
                 <a:ext uri="{FF2B5EF4-FFF2-40B4-BE49-F238E27FC236}">
-                  <a16:creationId xmlns:a16="http://schemas.microsoft.com/office/drawing/2014/main" xmlns="" id="{CE5F8F51-D3FD-42A1-8372-1B4B1B7C336A}"/>
+                  <a16:creationId xmlns="" xmlns:a16="http://schemas.microsoft.com/office/drawing/2014/main" id="{CE5F8F51-D3FD-42A1-8372-1B4B1B7C336A}"/>
                 </a:ext>
               </a:extLst>
             </p:cNvPr>
@@ -4423,7 +4423,7 @@
     </p:spTree>
     <p:extLst>
       <p:ext uri="{BB962C8B-B14F-4D97-AF65-F5344CB8AC3E}">
-        <p14:creationId xmlns:p14="http://schemas.microsoft.com/office/powerpoint/2010/main" xmlns="" val="2349077325"/>
+        <p14:creationId xmlns:p14="http://schemas.microsoft.com/office/powerpoint/2010/main" val="2349077325"/>
       </p:ext>
     </p:extLst>
   </p:cSld>
@@ -4465,7 +4465,7 @@
           <p:cNvPr id="70" name="Rectangle 69">
             <a:extLst>
               <a:ext uri="{FF2B5EF4-FFF2-40B4-BE49-F238E27FC236}">
-                <a16:creationId xmlns:a16="http://schemas.microsoft.com/office/drawing/2014/main" xmlns="" id="{990CE96C-B0E8-49CB-B717-EBFFECB66027}"/>
+                <a16:creationId xmlns="" xmlns:a16="http://schemas.microsoft.com/office/drawing/2014/main" id="{990CE96C-B0E8-49CB-B717-EBFFECB66027}"/>
               </a:ext>
             </a:extLst>
           </p:cNvPr>
@@ -4526,7 +4526,7 @@
           <p:cNvPr id="95" name="Group 94">
             <a:extLst>
               <a:ext uri="{FF2B5EF4-FFF2-40B4-BE49-F238E27FC236}">
-                <a16:creationId xmlns:a16="http://schemas.microsoft.com/office/drawing/2014/main" xmlns="" id="{4E70D3F9-D583-4ACD-8480-0F4A65ED3C83}"/>
+                <a16:creationId xmlns="" xmlns:a16="http://schemas.microsoft.com/office/drawing/2014/main" id="{4E70D3F9-D583-4ACD-8480-0F4A65ED3C83}"/>
               </a:ext>
             </a:extLst>
           </p:cNvPr>
@@ -4546,7 +4546,7 @@
             <p:cNvPr id="96" name="Rectangle 95">
               <a:extLst>
                 <a:ext uri="{FF2B5EF4-FFF2-40B4-BE49-F238E27FC236}">
-                  <a16:creationId xmlns:a16="http://schemas.microsoft.com/office/drawing/2014/main" xmlns="" id="{321108FC-08B5-45CC-AB47-1104119B25FD}"/>
+                  <a16:creationId xmlns="" xmlns:a16="http://schemas.microsoft.com/office/drawing/2014/main" id="{321108FC-08B5-45CC-AB47-1104119B25FD}"/>
                 </a:ext>
               </a:extLst>
             </p:cNvPr>
@@ -4607,7 +4607,7 @@
             <p:cNvPr id="97" name="Freeform: Shape 96">
               <a:extLst>
                 <a:ext uri="{FF2B5EF4-FFF2-40B4-BE49-F238E27FC236}">
-                  <a16:creationId xmlns:a16="http://schemas.microsoft.com/office/drawing/2014/main" xmlns="" id="{96A47C8C-7F88-484E-817B-572BEDC2BC69}"/>
+                  <a16:creationId xmlns="" xmlns:a16="http://schemas.microsoft.com/office/drawing/2014/main" id="{96A47C8C-7F88-484E-817B-572BEDC2BC69}"/>
                 </a:ext>
               </a:extLst>
             </p:cNvPr>
@@ -4714,7 +4714,7 @@
             <p:cNvPr id="98" name="TextBox 97">
               <a:extLst>
                 <a:ext uri="{FF2B5EF4-FFF2-40B4-BE49-F238E27FC236}">
-                  <a16:creationId xmlns:a16="http://schemas.microsoft.com/office/drawing/2014/main" xmlns="" id="{E3DB5570-AC77-4396-9748-4183DF7C8396}"/>
+                  <a16:creationId xmlns="" xmlns:a16="http://schemas.microsoft.com/office/drawing/2014/main" id="{E3DB5570-AC77-4396-9748-4183DF7C8396}"/>
                 </a:ext>
               </a:extLst>
             </p:cNvPr>
@@ -4762,7 +4762,7 @@
           <p:cNvPr id="71" name="Group 70">
             <a:extLst>
               <a:ext uri="{FF2B5EF4-FFF2-40B4-BE49-F238E27FC236}">
-                <a16:creationId xmlns:a16="http://schemas.microsoft.com/office/drawing/2014/main" xmlns="" id="{E7044FAB-DB4A-4E59-B111-8CA4168E7FA4}"/>
+                <a16:creationId xmlns="" xmlns:a16="http://schemas.microsoft.com/office/drawing/2014/main" id="{E7044FAB-DB4A-4E59-B111-8CA4168E7FA4}"/>
               </a:ext>
             </a:extLst>
           </p:cNvPr>
@@ -4782,7 +4782,7 @@
             <p:cNvPr id="72" name="Rectangle 71">
               <a:extLst>
                 <a:ext uri="{FF2B5EF4-FFF2-40B4-BE49-F238E27FC236}">
-                  <a16:creationId xmlns:a16="http://schemas.microsoft.com/office/drawing/2014/main" xmlns="" id="{824F072A-08CC-4CC6-B5EF-C1833A244FA3}"/>
+                  <a16:creationId xmlns="" xmlns:a16="http://schemas.microsoft.com/office/drawing/2014/main" id="{824F072A-08CC-4CC6-B5EF-C1833A244FA3}"/>
                 </a:ext>
               </a:extLst>
             </p:cNvPr>
@@ -4843,7 +4843,7 @@
             <p:cNvPr id="73" name="Freeform: Shape 72">
               <a:extLst>
                 <a:ext uri="{FF2B5EF4-FFF2-40B4-BE49-F238E27FC236}">
-                  <a16:creationId xmlns:a16="http://schemas.microsoft.com/office/drawing/2014/main" xmlns="" id="{A3C6C4A9-8B6A-429B-980E-26CD0C3A573E}"/>
+                  <a16:creationId xmlns="" xmlns:a16="http://schemas.microsoft.com/office/drawing/2014/main" id="{A3C6C4A9-8B6A-429B-980E-26CD0C3A573E}"/>
                 </a:ext>
               </a:extLst>
             </p:cNvPr>
@@ -4950,7 +4950,7 @@
             <p:cNvPr id="74" name="TextBox 73">
               <a:extLst>
                 <a:ext uri="{FF2B5EF4-FFF2-40B4-BE49-F238E27FC236}">
-                  <a16:creationId xmlns:a16="http://schemas.microsoft.com/office/drawing/2014/main" xmlns="" id="{858AC381-BFD1-4A89-AE49-8ADC853A6849}"/>
+                  <a16:creationId xmlns="" xmlns:a16="http://schemas.microsoft.com/office/drawing/2014/main" id="{858AC381-BFD1-4A89-AE49-8ADC853A6849}"/>
                 </a:ext>
               </a:extLst>
             </p:cNvPr>
@@ -4989,7 +4989,7 @@
           <p:cNvPr id="27" name="TextBox 26">
             <a:extLst>
               <a:ext uri="{FF2B5EF4-FFF2-40B4-BE49-F238E27FC236}">
-                <a16:creationId xmlns:a16="http://schemas.microsoft.com/office/drawing/2014/main" xmlns="" id="{E3DB5570-AC77-4396-9748-4183DF7C8396}"/>
+                <a16:creationId xmlns="" xmlns:a16="http://schemas.microsoft.com/office/drawing/2014/main" id="{E3DB5570-AC77-4396-9748-4183DF7C8396}"/>
               </a:ext>
             </a:extLst>
           </p:cNvPr>
@@ -5208,7 +5208,7 @@
     </p:spTree>
     <p:extLst>
       <p:ext uri="{BB962C8B-B14F-4D97-AF65-F5344CB8AC3E}">
-        <p14:creationId xmlns:p14="http://schemas.microsoft.com/office/powerpoint/2010/main" xmlns="" val="3965200575"/>
+        <p14:creationId xmlns:p14="http://schemas.microsoft.com/office/powerpoint/2010/main" val="3965200575"/>
       </p:ext>
     </p:extLst>
   </p:cSld>
@@ -5250,7 +5250,7 @@
           <p:cNvPr id="70" name="Rectangle 69">
             <a:extLst>
               <a:ext uri="{FF2B5EF4-FFF2-40B4-BE49-F238E27FC236}">
-                <a16:creationId xmlns:a16="http://schemas.microsoft.com/office/drawing/2014/main" xmlns="" id="{990CE96C-B0E8-49CB-B717-EBFFECB66027}"/>
+                <a16:creationId xmlns="" xmlns:a16="http://schemas.microsoft.com/office/drawing/2014/main" id="{990CE96C-B0E8-49CB-B717-EBFFECB66027}"/>
               </a:ext>
             </a:extLst>
           </p:cNvPr>
@@ -5311,7 +5311,7 @@
           <p:cNvPr id="71" name="Group 70">
             <a:extLst>
               <a:ext uri="{FF2B5EF4-FFF2-40B4-BE49-F238E27FC236}">
-                <a16:creationId xmlns:a16="http://schemas.microsoft.com/office/drawing/2014/main" xmlns="" id="{E7044FAB-DB4A-4E59-B111-8CA4168E7FA4}"/>
+                <a16:creationId xmlns="" xmlns:a16="http://schemas.microsoft.com/office/drawing/2014/main" id="{E7044FAB-DB4A-4E59-B111-8CA4168E7FA4}"/>
               </a:ext>
             </a:extLst>
           </p:cNvPr>
@@ -5331,7 +5331,7 @@
             <p:cNvPr id="72" name="Rectangle 71">
               <a:extLst>
                 <a:ext uri="{FF2B5EF4-FFF2-40B4-BE49-F238E27FC236}">
-                  <a16:creationId xmlns:a16="http://schemas.microsoft.com/office/drawing/2014/main" xmlns="" id="{824F072A-08CC-4CC6-B5EF-C1833A244FA3}"/>
+                  <a16:creationId xmlns="" xmlns:a16="http://schemas.microsoft.com/office/drawing/2014/main" id="{824F072A-08CC-4CC6-B5EF-C1833A244FA3}"/>
                 </a:ext>
               </a:extLst>
             </p:cNvPr>
@@ -5392,7 +5392,7 @@
             <p:cNvPr id="73" name="Freeform: Shape 72">
               <a:extLst>
                 <a:ext uri="{FF2B5EF4-FFF2-40B4-BE49-F238E27FC236}">
-                  <a16:creationId xmlns:a16="http://schemas.microsoft.com/office/drawing/2014/main" xmlns="" id="{A3C6C4A9-8B6A-429B-980E-26CD0C3A573E}"/>
+                  <a16:creationId xmlns="" xmlns:a16="http://schemas.microsoft.com/office/drawing/2014/main" id="{A3C6C4A9-8B6A-429B-980E-26CD0C3A573E}"/>
                 </a:ext>
               </a:extLst>
             </p:cNvPr>
@@ -5499,7 +5499,7 @@
             <p:cNvPr id="74" name="TextBox 73">
               <a:extLst>
                 <a:ext uri="{FF2B5EF4-FFF2-40B4-BE49-F238E27FC236}">
-                  <a16:creationId xmlns:a16="http://schemas.microsoft.com/office/drawing/2014/main" xmlns="" id="{858AC381-BFD1-4A89-AE49-8ADC853A6849}"/>
+                  <a16:creationId xmlns="" xmlns:a16="http://schemas.microsoft.com/office/drawing/2014/main" id="{858AC381-BFD1-4A89-AE49-8ADC853A6849}"/>
                 </a:ext>
               </a:extLst>
             </p:cNvPr>
@@ -5547,7 +5547,7 @@
           <p:cNvPr id="76" name="Group 75">
             <a:extLst>
               <a:ext uri="{FF2B5EF4-FFF2-40B4-BE49-F238E27FC236}">
-                <a16:creationId xmlns:a16="http://schemas.microsoft.com/office/drawing/2014/main" xmlns="" id="{60E31D48-090A-4A9C-AF5C-4B0C49C47C7D}"/>
+                <a16:creationId xmlns="" xmlns:a16="http://schemas.microsoft.com/office/drawing/2014/main" id="{60E31D48-090A-4A9C-AF5C-4B0C49C47C7D}"/>
               </a:ext>
             </a:extLst>
           </p:cNvPr>
@@ -5567,7 +5567,7 @@
             <p:cNvPr id="77" name="Rectangle 76">
               <a:extLst>
                 <a:ext uri="{FF2B5EF4-FFF2-40B4-BE49-F238E27FC236}">
-                  <a16:creationId xmlns:a16="http://schemas.microsoft.com/office/drawing/2014/main" xmlns="" id="{3A79A714-CB74-4EFD-9BC1-A7F2F993842A}"/>
+                  <a16:creationId xmlns="" xmlns:a16="http://schemas.microsoft.com/office/drawing/2014/main" id="{3A79A714-CB74-4EFD-9BC1-A7F2F993842A}"/>
                 </a:ext>
               </a:extLst>
             </p:cNvPr>
@@ -5628,7 +5628,7 @@
             <p:cNvPr id="78" name="Freeform: Shape 77">
               <a:extLst>
                 <a:ext uri="{FF2B5EF4-FFF2-40B4-BE49-F238E27FC236}">
-                  <a16:creationId xmlns:a16="http://schemas.microsoft.com/office/drawing/2014/main" xmlns="" id="{B006C60A-833A-41C2-A553-8132E7B3A7DB}"/>
+                  <a16:creationId xmlns="" xmlns:a16="http://schemas.microsoft.com/office/drawing/2014/main" id="{B006C60A-833A-41C2-A553-8132E7B3A7DB}"/>
                 </a:ext>
               </a:extLst>
             </p:cNvPr>
@@ -5735,7 +5735,7 @@
             <p:cNvPr id="79" name="TextBox 78">
               <a:extLst>
                 <a:ext uri="{FF2B5EF4-FFF2-40B4-BE49-F238E27FC236}">
-                  <a16:creationId xmlns:a16="http://schemas.microsoft.com/office/drawing/2014/main" xmlns="" id="{95AECC6C-A520-4756-9163-08D14835D791}"/>
+                  <a16:creationId xmlns="" xmlns:a16="http://schemas.microsoft.com/office/drawing/2014/main" id="{95AECC6C-A520-4756-9163-08D14835D791}"/>
                 </a:ext>
               </a:extLst>
             </p:cNvPr>
@@ -5939,7 +5939,7 @@
     </p:spTree>
     <p:extLst>
       <p:ext uri="{BB962C8B-B14F-4D97-AF65-F5344CB8AC3E}">
-        <p14:creationId xmlns:p14="http://schemas.microsoft.com/office/powerpoint/2010/main" xmlns="" val="3557959593"/>
+        <p14:creationId xmlns:p14="http://schemas.microsoft.com/office/powerpoint/2010/main" val="3557959593"/>
       </p:ext>
     </p:extLst>
   </p:cSld>
@@ -5981,7 +5981,7 @@
           <p:cNvPr id="76" name="Group 75">
             <a:extLst>
               <a:ext uri="{FF2B5EF4-FFF2-40B4-BE49-F238E27FC236}">
-                <a16:creationId xmlns:a16="http://schemas.microsoft.com/office/drawing/2014/main" xmlns="" id="{60E31D48-090A-4A9C-AF5C-4B0C49C47C7D}"/>
+                <a16:creationId xmlns="" xmlns:a16="http://schemas.microsoft.com/office/drawing/2014/main" id="{60E31D48-090A-4A9C-AF5C-4B0C49C47C7D}"/>
               </a:ext>
             </a:extLst>
           </p:cNvPr>
@@ -6001,7 +6001,7 @@
             <p:cNvPr id="77" name="Rectangle 76">
               <a:extLst>
                 <a:ext uri="{FF2B5EF4-FFF2-40B4-BE49-F238E27FC236}">
-                  <a16:creationId xmlns:a16="http://schemas.microsoft.com/office/drawing/2014/main" xmlns="" id="{3A79A714-CB74-4EFD-9BC1-A7F2F993842A}"/>
+                  <a16:creationId xmlns="" xmlns:a16="http://schemas.microsoft.com/office/drawing/2014/main" id="{3A79A714-CB74-4EFD-9BC1-A7F2F993842A}"/>
                 </a:ext>
               </a:extLst>
             </p:cNvPr>
@@ -6062,7 +6062,7 @@
             <p:cNvPr id="78" name="Freeform: Shape 77">
               <a:extLst>
                 <a:ext uri="{FF2B5EF4-FFF2-40B4-BE49-F238E27FC236}">
-                  <a16:creationId xmlns:a16="http://schemas.microsoft.com/office/drawing/2014/main" xmlns="" id="{B006C60A-833A-41C2-A553-8132E7B3A7DB}"/>
+                  <a16:creationId xmlns="" xmlns:a16="http://schemas.microsoft.com/office/drawing/2014/main" id="{B006C60A-833A-41C2-A553-8132E7B3A7DB}"/>
                 </a:ext>
               </a:extLst>
             </p:cNvPr>
@@ -6169,7 +6169,7 @@
             <p:cNvPr id="79" name="TextBox 78">
               <a:extLst>
                 <a:ext uri="{FF2B5EF4-FFF2-40B4-BE49-F238E27FC236}">
-                  <a16:creationId xmlns:a16="http://schemas.microsoft.com/office/drawing/2014/main" xmlns="" id="{95AECC6C-A520-4756-9163-08D14835D791}"/>
+                  <a16:creationId xmlns="" xmlns:a16="http://schemas.microsoft.com/office/drawing/2014/main" id="{95AECC6C-A520-4756-9163-08D14835D791}"/>
                 </a:ext>
               </a:extLst>
             </p:cNvPr>
@@ -6217,7 +6217,7 @@
           <p:cNvPr id="81" name="Group 80">
             <a:extLst>
               <a:ext uri="{FF2B5EF4-FFF2-40B4-BE49-F238E27FC236}">
-                <a16:creationId xmlns:a16="http://schemas.microsoft.com/office/drawing/2014/main" xmlns="" id="{E7044FAB-DB4A-4E59-B111-8CA4168E7FA4}"/>
+                <a16:creationId xmlns="" xmlns:a16="http://schemas.microsoft.com/office/drawing/2014/main" id="{E7044FAB-DB4A-4E59-B111-8CA4168E7FA4}"/>
               </a:ext>
             </a:extLst>
           </p:cNvPr>
@@ -6237,7 +6237,7 @@
             <p:cNvPr id="82" name="Rectangle 81">
               <a:extLst>
                 <a:ext uri="{FF2B5EF4-FFF2-40B4-BE49-F238E27FC236}">
-                  <a16:creationId xmlns:a16="http://schemas.microsoft.com/office/drawing/2014/main" xmlns="" id="{824F072A-08CC-4CC6-B5EF-C1833A244FA3}"/>
+                  <a16:creationId xmlns="" xmlns:a16="http://schemas.microsoft.com/office/drawing/2014/main" id="{824F072A-08CC-4CC6-B5EF-C1833A244FA3}"/>
                 </a:ext>
               </a:extLst>
             </p:cNvPr>
@@ -6298,7 +6298,7 @@
             <p:cNvPr id="83" name="Freeform: Shape 72">
               <a:extLst>
                 <a:ext uri="{FF2B5EF4-FFF2-40B4-BE49-F238E27FC236}">
-                  <a16:creationId xmlns:a16="http://schemas.microsoft.com/office/drawing/2014/main" xmlns="" id="{A3C6C4A9-8B6A-429B-980E-26CD0C3A573E}"/>
+                  <a16:creationId xmlns="" xmlns:a16="http://schemas.microsoft.com/office/drawing/2014/main" id="{A3C6C4A9-8B6A-429B-980E-26CD0C3A573E}"/>
                 </a:ext>
               </a:extLst>
             </p:cNvPr>
@@ -6405,7 +6405,7 @@
             <p:cNvPr id="84" name="TextBox 83">
               <a:extLst>
                 <a:ext uri="{FF2B5EF4-FFF2-40B4-BE49-F238E27FC236}">
-                  <a16:creationId xmlns:a16="http://schemas.microsoft.com/office/drawing/2014/main" xmlns="" id="{858AC381-BFD1-4A89-AE49-8ADC853A6849}"/>
+                  <a16:creationId xmlns="" xmlns:a16="http://schemas.microsoft.com/office/drawing/2014/main" id="{858AC381-BFD1-4A89-AE49-8ADC853A6849}"/>
                 </a:ext>
               </a:extLst>
             </p:cNvPr>
@@ -6456,7 +6456,7 @@
           <p:cNvPr id="87" name="TextBox 86">
             <a:extLst>
               <a:ext uri="{FF2B5EF4-FFF2-40B4-BE49-F238E27FC236}">
-                <a16:creationId xmlns:a16="http://schemas.microsoft.com/office/drawing/2014/main" xmlns="" id="{FF4D948F-8670-4F67-B5BD-4AC06968C522}"/>
+                <a16:creationId xmlns="" xmlns:a16="http://schemas.microsoft.com/office/drawing/2014/main" id="{FF4D948F-8670-4F67-B5BD-4AC06968C522}"/>
               </a:ext>
             </a:extLst>
           </p:cNvPr>
@@ -6499,7 +6499,7 @@
           <p:cNvPr id="113" name="Group 112">
             <a:extLst>
               <a:ext uri="{FF2B5EF4-FFF2-40B4-BE49-F238E27FC236}">
-                <a16:creationId xmlns:a16="http://schemas.microsoft.com/office/drawing/2014/main" xmlns="" id="{B02914A7-C65F-4EFB-8FF4-9BB283DC3935}"/>
+                <a16:creationId xmlns="" xmlns:a16="http://schemas.microsoft.com/office/drawing/2014/main" id="{B02914A7-C65F-4EFB-8FF4-9BB283DC3935}"/>
               </a:ext>
             </a:extLst>
           </p:cNvPr>
@@ -6519,7 +6519,7 @@
             <p:cNvPr id="114" name="Rectangle 113">
               <a:extLst>
                 <a:ext uri="{FF2B5EF4-FFF2-40B4-BE49-F238E27FC236}">
-                  <a16:creationId xmlns:a16="http://schemas.microsoft.com/office/drawing/2014/main" xmlns="" id="{99DA66B2-8A11-4397-B997-59A37787FEF8}"/>
+                  <a16:creationId xmlns="" xmlns:a16="http://schemas.microsoft.com/office/drawing/2014/main" id="{99DA66B2-8A11-4397-B997-59A37787FEF8}"/>
                 </a:ext>
               </a:extLst>
             </p:cNvPr>
@@ -6580,7 +6580,7 @@
             <p:cNvPr id="115" name="Freeform: Shape 44">
               <a:extLst>
                 <a:ext uri="{FF2B5EF4-FFF2-40B4-BE49-F238E27FC236}">
-                  <a16:creationId xmlns:a16="http://schemas.microsoft.com/office/drawing/2014/main" xmlns="" id="{71A8923D-952E-459F-92C0-CCE4C5E45F88}"/>
+                  <a16:creationId xmlns="" xmlns:a16="http://schemas.microsoft.com/office/drawing/2014/main" id="{71A8923D-952E-459F-92C0-CCE4C5E45F88}"/>
                 </a:ext>
               </a:extLst>
             </p:cNvPr>
@@ -6687,7 +6687,7 @@
             <p:cNvPr id="116" name="TextBox 115">
               <a:extLst>
                 <a:ext uri="{FF2B5EF4-FFF2-40B4-BE49-F238E27FC236}">
-                  <a16:creationId xmlns:a16="http://schemas.microsoft.com/office/drawing/2014/main" xmlns="" id="{DD73F442-B2F9-477E-B4DE-956CBA09D9C3}"/>
+                  <a16:creationId xmlns="" xmlns:a16="http://schemas.microsoft.com/office/drawing/2014/main" id="{DD73F442-B2F9-477E-B4DE-956CBA09D9C3}"/>
                 </a:ext>
               </a:extLst>
             </p:cNvPr>
@@ -6842,7 +6842,7 @@
     </p:spTree>
     <p:extLst>
       <p:ext uri="{BB962C8B-B14F-4D97-AF65-F5344CB8AC3E}">
-        <p14:creationId xmlns:p14="http://schemas.microsoft.com/office/powerpoint/2010/main" xmlns="" val="1327239487"/>
+        <p14:creationId xmlns:p14="http://schemas.microsoft.com/office/powerpoint/2010/main" val="1327239487"/>
       </p:ext>
     </p:extLst>
   </p:cSld>
@@ -6884,7 +6884,7 @@
           <p:cNvPr id="76" name="Group 75">
             <a:extLst>
               <a:ext uri="{FF2B5EF4-FFF2-40B4-BE49-F238E27FC236}">
-                <a16:creationId xmlns:a16="http://schemas.microsoft.com/office/drawing/2014/main" xmlns="" id="{60E31D48-090A-4A9C-AF5C-4B0C49C47C7D}"/>
+                <a16:creationId xmlns="" xmlns:a16="http://schemas.microsoft.com/office/drawing/2014/main" id="{60E31D48-090A-4A9C-AF5C-4B0C49C47C7D}"/>
               </a:ext>
             </a:extLst>
           </p:cNvPr>
@@ -6904,7 +6904,7 @@
             <p:cNvPr id="77" name="Rectangle 76">
               <a:extLst>
                 <a:ext uri="{FF2B5EF4-FFF2-40B4-BE49-F238E27FC236}">
-                  <a16:creationId xmlns:a16="http://schemas.microsoft.com/office/drawing/2014/main" xmlns="" id="{3A79A714-CB74-4EFD-9BC1-A7F2F993842A}"/>
+                  <a16:creationId xmlns="" xmlns:a16="http://schemas.microsoft.com/office/drawing/2014/main" id="{3A79A714-CB74-4EFD-9BC1-A7F2F993842A}"/>
                 </a:ext>
               </a:extLst>
             </p:cNvPr>
@@ -6965,7 +6965,7 @@
             <p:cNvPr id="79" name="TextBox 78">
               <a:extLst>
                 <a:ext uri="{FF2B5EF4-FFF2-40B4-BE49-F238E27FC236}">
-                  <a16:creationId xmlns:a16="http://schemas.microsoft.com/office/drawing/2014/main" xmlns="" id="{95AECC6C-A520-4756-9163-08D14835D791}"/>
+                  <a16:creationId xmlns="" xmlns:a16="http://schemas.microsoft.com/office/drawing/2014/main" id="{95AECC6C-A520-4756-9163-08D14835D791}"/>
                 </a:ext>
               </a:extLst>
             </p:cNvPr>
@@ -7004,7 +7004,7 @@
           <p:cNvPr id="66" name="Group 65">
             <a:extLst>
               <a:ext uri="{FF2B5EF4-FFF2-40B4-BE49-F238E27FC236}">
-                <a16:creationId xmlns:a16="http://schemas.microsoft.com/office/drawing/2014/main" xmlns="" id="{B02914A7-C65F-4EFB-8FF4-9BB283DC3935}"/>
+                <a16:creationId xmlns="" xmlns:a16="http://schemas.microsoft.com/office/drawing/2014/main" id="{B02914A7-C65F-4EFB-8FF4-9BB283DC3935}"/>
               </a:ext>
             </a:extLst>
           </p:cNvPr>
@@ -7024,7 +7024,7 @@
             <p:cNvPr id="67" name="Rectangle 66">
               <a:extLst>
                 <a:ext uri="{FF2B5EF4-FFF2-40B4-BE49-F238E27FC236}">
-                  <a16:creationId xmlns:a16="http://schemas.microsoft.com/office/drawing/2014/main" xmlns="" id="{99DA66B2-8A11-4397-B997-59A37787FEF8}"/>
+                  <a16:creationId xmlns="" xmlns:a16="http://schemas.microsoft.com/office/drawing/2014/main" id="{99DA66B2-8A11-4397-B997-59A37787FEF8}"/>
                 </a:ext>
               </a:extLst>
             </p:cNvPr>
@@ -7085,7 +7085,7 @@
             <p:cNvPr id="68" name="Freeform: Shape 44">
               <a:extLst>
                 <a:ext uri="{FF2B5EF4-FFF2-40B4-BE49-F238E27FC236}">
-                  <a16:creationId xmlns:a16="http://schemas.microsoft.com/office/drawing/2014/main" xmlns="" id="{71A8923D-952E-459F-92C0-CCE4C5E45F88}"/>
+                  <a16:creationId xmlns="" xmlns:a16="http://schemas.microsoft.com/office/drawing/2014/main" id="{71A8923D-952E-459F-92C0-CCE4C5E45F88}"/>
                 </a:ext>
               </a:extLst>
             </p:cNvPr>
@@ -7192,7 +7192,7 @@
             <p:cNvPr id="69" name="TextBox 68">
               <a:extLst>
                 <a:ext uri="{FF2B5EF4-FFF2-40B4-BE49-F238E27FC236}">
-                  <a16:creationId xmlns:a16="http://schemas.microsoft.com/office/drawing/2014/main" xmlns="" id="{DD73F442-B2F9-477E-B4DE-956CBA09D9C3}"/>
+                  <a16:creationId xmlns="" xmlns:a16="http://schemas.microsoft.com/office/drawing/2014/main" id="{DD73F442-B2F9-477E-B4DE-956CBA09D9C3}"/>
                 </a:ext>
               </a:extLst>
             </p:cNvPr>
@@ -7262,7 +7262,7 @@
     </p:spTree>
     <p:extLst>
       <p:ext uri="{BB962C8B-B14F-4D97-AF65-F5344CB8AC3E}">
-        <p14:creationId xmlns:p14="http://schemas.microsoft.com/office/powerpoint/2010/main" xmlns="" val="2576526873"/>
+        <p14:creationId xmlns:p14="http://schemas.microsoft.com/office/powerpoint/2010/main" val="2576526873"/>
       </p:ext>
     </p:extLst>
   </p:cSld>
@@ -7304,7 +7304,7 @@
           <p:cNvPr id="50" name="Group 49">
             <a:extLst>
               <a:ext uri="{FF2B5EF4-FFF2-40B4-BE49-F238E27FC236}">
-                <a16:creationId xmlns:a16="http://schemas.microsoft.com/office/drawing/2014/main" xmlns="" id="{066ACF4C-6F8C-46FC-8362-2E05C90EEAFA}"/>
+                <a16:creationId xmlns="" xmlns:a16="http://schemas.microsoft.com/office/drawing/2014/main" id="{066ACF4C-6F8C-46FC-8362-2E05C90EEAFA}"/>
               </a:ext>
             </a:extLst>
           </p:cNvPr>
@@ -7324,7 +7324,7 @@
             <p:cNvPr id="51" name="Rectangle 50">
               <a:extLst>
                 <a:ext uri="{FF2B5EF4-FFF2-40B4-BE49-F238E27FC236}">
-                  <a16:creationId xmlns:a16="http://schemas.microsoft.com/office/drawing/2014/main" xmlns="" id="{4F373113-18F1-4443-9A8E-5EF06C1D2FEA}"/>
+                  <a16:creationId xmlns="" xmlns:a16="http://schemas.microsoft.com/office/drawing/2014/main" id="{4F373113-18F1-4443-9A8E-5EF06C1D2FEA}"/>
                 </a:ext>
               </a:extLst>
             </p:cNvPr>
@@ -7385,7 +7385,7 @@
             <p:cNvPr id="52" name="Freeform: Shape 51">
               <a:extLst>
                 <a:ext uri="{FF2B5EF4-FFF2-40B4-BE49-F238E27FC236}">
-                  <a16:creationId xmlns:a16="http://schemas.microsoft.com/office/drawing/2014/main" xmlns="" id="{8F99D053-FB83-41F1-B2CB-C10918BC99BC}"/>
+                  <a16:creationId xmlns="" xmlns:a16="http://schemas.microsoft.com/office/drawing/2014/main" id="{8F99D053-FB83-41F1-B2CB-C10918BC99BC}"/>
                 </a:ext>
               </a:extLst>
             </p:cNvPr>
@@ -7492,7 +7492,7 @@
             <p:cNvPr id="53" name="TextBox 52">
               <a:extLst>
                 <a:ext uri="{FF2B5EF4-FFF2-40B4-BE49-F238E27FC236}">
-                  <a16:creationId xmlns:a16="http://schemas.microsoft.com/office/drawing/2014/main" xmlns="" id="{7F4373C1-3934-47C3-8F36-E2FB2615CA87}"/>
+                  <a16:creationId xmlns="" xmlns:a16="http://schemas.microsoft.com/office/drawing/2014/main" id="{7F4373C1-3934-47C3-8F36-E2FB2615CA87}"/>
                 </a:ext>
               </a:extLst>
             </p:cNvPr>
@@ -7540,7 +7540,7 @@
           <p:cNvPr id="55" name="Group 54">
             <a:extLst>
               <a:ext uri="{FF2B5EF4-FFF2-40B4-BE49-F238E27FC236}">
-                <a16:creationId xmlns:a16="http://schemas.microsoft.com/office/drawing/2014/main" xmlns="" id="{150C247F-7990-4945-869D-5E2A900F477F}"/>
+                <a16:creationId xmlns="" xmlns:a16="http://schemas.microsoft.com/office/drawing/2014/main" id="{150C247F-7990-4945-869D-5E2A900F477F}"/>
               </a:ext>
             </a:extLst>
           </p:cNvPr>
@@ -7560,7 +7560,7 @@
             <p:cNvPr id="56" name="Rectangle 55">
               <a:extLst>
                 <a:ext uri="{FF2B5EF4-FFF2-40B4-BE49-F238E27FC236}">
-                  <a16:creationId xmlns:a16="http://schemas.microsoft.com/office/drawing/2014/main" xmlns="" id="{6D2C93AC-EBE3-4E67-A867-76D5D6BEDB10}"/>
+                  <a16:creationId xmlns="" xmlns:a16="http://schemas.microsoft.com/office/drawing/2014/main" id="{6D2C93AC-EBE3-4E67-A867-76D5D6BEDB10}"/>
                 </a:ext>
               </a:extLst>
             </p:cNvPr>
@@ -7621,7 +7621,7 @@
             <p:cNvPr id="57" name="Freeform: Shape 56">
               <a:extLst>
                 <a:ext uri="{FF2B5EF4-FFF2-40B4-BE49-F238E27FC236}">
-                  <a16:creationId xmlns:a16="http://schemas.microsoft.com/office/drawing/2014/main" xmlns="" id="{35DBD2B9-E73C-4AE9-91C9-698379867E98}"/>
+                  <a16:creationId xmlns="" xmlns:a16="http://schemas.microsoft.com/office/drawing/2014/main" id="{35DBD2B9-E73C-4AE9-91C9-698379867E98}"/>
                 </a:ext>
               </a:extLst>
             </p:cNvPr>
@@ -7728,7 +7728,7 @@
             <p:cNvPr id="58" name="TextBox 57">
               <a:extLst>
                 <a:ext uri="{FF2B5EF4-FFF2-40B4-BE49-F238E27FC236}">
-                  <a16:creationId xmlns:a16="http://schemas.microsoft.com/office/drawing/2014/main" xmlns="" id="{CD6BDC4B-8313-4203-9F42-C28AC214EB64}"/>
+                  <a16:creationId xmlns="" xmlns:a16="http://schemas.microsoft.com/office/drawing/2014/main" id="{CD6BDC4B-8313-4203-9F42-C28AC214EB64}"/>
                 </a:ext>
               </a:extLst>
             </p:cNvPr>
@@ -7767,7 +7767,7 @@
           <p:cNvPr id="112" name="Group 111">
             <a:extLst>
               <a:ext uri="{FF2B5EF4-FFF2-40B4-BE49-F238E27FC236}">
-                <a16:creationId xmlns:a16="http://schemas.microsoft.com/office/drawing/2014/main" xmlns="" id="{183EA2CA-A17F-4A6A-AC3E-6F8757F77880}"/>
+                <a16:creationId xmlns="" xmlns:a16="http://schemas.microsoft.com/office/drawing/2014/main" id="{183EA2CA-A17F-4A6A-AC3E-6F8757F77880}"/>
               </a:ext>
             </a:extLst>
           </p:cNvPr>
@@ -7787,7 +7787,7 @@
             <p:cNvPr id="113" name="Rectangle: Top Corners Rounded 96">
               <a:extLst>
                 <a:ext uri="{FF2B5EF4-FFF2-40B4-BE49-F238E27FC236}">
-                  <a16:creationId xmlns:a16="http://schemas.microsoft.com/office/drawing/2014/main" xmlns="" id="{225A95EB-3596-4C52-91EE-39023E85BE2D}"/>
+                  <a16:creationId xmlns="" xmlns:a16="http://schemas.microsoft.com/office/drawing/2014/main" id="{225A95EB-3596-4C52-91EE-39023E85BE2D}"/>
                 </a:ext>
               </a:extLst>
             </p:cNvPr>
@@ -7842,7 +7842,7 @@
             <p:cNvPr id="114" name="TextBox 113">
               <a:extLst>
                 <a:ext uri="{FF2B5EF4-FFF2-40B4-BE49-F238E27FC236}">
-                  <a16:creationId xmlns:a16="http://schemas.microsoft.com/office/drawing/2014/main" xmlns="" id="{D9A6427C-7201-480C-B8BA-C01C9BCA7B52}"/>
+                  <a16:creationId xmlns="" xmlns:a16="http://schemas.microsoft.com/office/drawing/2014/main" id="{D9A6427C-7201-480C-B8BA-C01C9BCA7B52}"/>
                 </a:ext>
               </a:extLst>
             </p:cNvPr>
@@ -7880,7 +7880,7 @@
             <p:cNvPr id="115" name="TextBox 114">
               <a:extLst>
                 <a:ext uri="{FF2B5EF4-FFF2-40B4-BE49-F238E27FC236}">
-                  <a16:creationId xmlns:a16="http://schemas.microsoft.com/office/drawing/2014/main" xmlns="" id="{74F68486-5533-4B47-B6BA-92533CBB4036}"/>
+                  <a16:creationId xmlns="" xmlns:a16="http://schemas.microsoft.com/office/drawing/2014/main" id="{74F68486-5533-4B47-B6BA-92533CBB4036}"/>
                 </a:ext>
               </a:extLst>
             </p:cNvPr>
@@ -7922,7 +7922,7 @@
           <p:cNvPr id="116" name="Group 115">
             <a:extLst>
               <a:ext uri="{FF2B5EF4-FFF2-40B4-BE49-F238E27FC236}">
-                <a16:creationId xmlns:a16="http://schemas.microsoft.com/office/drawing/2014/main" xmlns="" id="{12310FCA-56F2-4778-94B7-C1B5FD53AE20}"/>
+                <a16:creationId xmlns="" xmlns:a16="http://schemas.microsoft.com/office/drawing/2014/main" id="{12310FCA-56F2-4778-94B7-C1B5FD53AE20}"/>
               </a:ext>
             </a:extLst>
           </p:cNvPr>
@@ -7942,7 +7942,7 @@
             <p:cNvPr id="117" name="Rectangle: Top Corners Rounded 100">
               <a:extLst>
                 <a:ext uri="{FF2B5EF4-FFF2-40B4-BE49-F238E27FC236}">
-                  <a16:creationId xmlns:a16="http://schemas.microsoft.com/office/drawing/2014/main" xmlns="" id="{E792FABC-AA8F-4748-B8FA-DBB9112863AC}"/>
+                  <a16:creationId xmlns="" xmlns:a16="http://schemas.microsoft.com/office/drawing/2014/main" id="{E792FABC-AA8F-4748-B8FA-DBB9112863AC}"/>
                 </a:ext>
               </a:extLst>
             </p:cNvPr>
@@ -7997,7 +7997,7 @@
             <p:cNvPr id="118" name="TextBox 117">
               <a:extLst>
                 <a:ext uri="{FF2B5EF4-FFF2-40B4-BE49-F238E27FC236}">
-                  <a16:creationId xmlns:a16="http://schemas.microsoft.com/office/drawing/2014/main" xmlns="" id="{83919267-9DA5-4811-B4F4-94D72398E7FD}"/>
+                  <a16:creationId xmlns="" xmlns:a16="http://schemas.microsoft.com/office/drawing/2014/main" id="{83919267-9DA5-4811-B4F4-94D72398E7FD}"/>
                 </a:ext>
               </a:extLst>
             </p:cNvPr>
@@ -8035,7 +8035,7 @@
             <p:cNvPr id="119" name="TextBox 118">
               <a:extLst>
                 <a:ext uri="{FF2B5EF4-FFF2-40B4-BE49-F238E27FC236}">
-                  <a16:creationId xmlns:a16="http://schemas.microsoft.com/office/drawing/2014/main" xmlns="" id="{FECB41C1-3E79-45AA-B100-38C9E092C776}"/>
+                  <a16:creationId xmlns="" xmlns:a16="http://schemas.microsoft.com/office/drawing/2014/main" id="{FECB41C1-3E79-45AA-B100-38C9E092C776}"/>
                 </a:ext>
               </a:extLst>
             </p:cNvPr>
@@ -8077,7 +8077,7 @@
           <p:cNvPr id="120" name="Group 119">
             <a:extLst>
               <a:ext uri="{FF2B5EF4-FFF2-40B4-BE49-F238E27FC236}">
-                <a16:creationId xmlns:a16="http://schemas.microsoft.com/office/drawing/2014/main" xmlns="" id="{A87830BE-EEF7-4034-8ABE-3212DB467DB4}"/>
+                <a16:creationId xmlns="" xmlns:a16="http://schemas.microsoft.com/office/drawing/2014/main" id="{A87830BE-EEF7-4034-8ABE-3212DB467DB4}"/>
               </a:ext>
             </a:extLst>
           </p:cNvPr>
@@ -8097,7 +8097,7 @@
             <p:cNvPr id="121" name="Rectangle: Top Corners Rounded 104">
               <a:extLst>
                 <a:ext uri="{FF2B5EF4-FFF2-40B4-BE49-F238E27FC236}">
-                  <a16:creationId xmlns:a16="http://schemas.microsoft.com/office/drawing/2014/main" xmlns="" id="{F1B87F23-BD02-4DB3-947D-2F61C5B87FEF}"/>
+                  <a16:creationId xmlns="" xmlns:a16="http://schemas.microsoft.com/office/drawing/2014/main" id="{F1B87F23-BD02-4DB3-947D-2F61C5B87FEF}"/>
                 </a:ext>
               </a:extLst>
             </p:cNvPr>
@@ -8152,7 +8152,7 @@
             <p:cNvPr id="122" name="TextBox 121">
               <a:extLst>
                 <a:ext uri="{FF2B5EF4-FFF2-40B4-BE49-F238E27FC236}">
-                  <a16:creationId xmlns:a16="http://schemas.microsoft.com/office/drawing/2014/main" xmlns="" id="{5D8301A0-49D9-41A5-A227-2E35458E6401}"/>
+                  <a16:creationId xmlns="" xmlns:a16="http://schemas.microsoft.com/office/drawing/2014/main" id="{5D8301A0-49D9-41A5-A227-2E35458E6401}"/>
                 </a:ext>
               </a:extLst>
             </p:cNvPr>
@@ -8190,7 +8190,7 @@
             <p:cNvPr id="123" name="TextBox 122">
               <a:extLst>
                 <a:ext uri="{FF2B5EF4-FFF2-40B4-BE49-F238E27FC236}">
-                  <a16:creationId xmlns:a16="http://schemas.microsoft.com/office/drawing/2014/main" xmlns="" id="{236675CF-5B12-4D6B-8C03-F29656450255}"/>
+                  <a16:creationId xmlns="" xmlns:a16="http://schemas.microsoft.com/office/drawing/2014/main" id="{236675CF-5B12-4D6B-8C03-F29656450255}"/>
                 </a:ext>
               </a:extLst>
             </p:cNvPr>
@@ -8238,7 +8238,7 @@
           <p:cNvPr id="124" name="Freeform: Shape 107">
             <a:extLst>
               <a:ext uri="{FF2B5EF4-FFF2-40B4-BE49-F238E27FC236}">
-                <a16:creationId xmlns:a16="http://schemas.microsoft.com/office/drawing/2014/main" xmlns="" id="{48958204-CE05-4E79-AC55-C76FBB79E37F}"/>
+                <a16:creationId xmlns="" xmlns:a16="http://schemas.microsoft.com/office/drawing/2014/main" id="{48958204-CE05-4E79-AC55-C76FBB79E37F}"/>
               </a:ext>
             </a:extLst>
           </p:cNvPr>
@@ -8390,7 +8390,7 @@
           <p:cNvPr id="125" name="Freeform: Shape 108">
             <a:extLst>
               <a:ext uri="{FF2B5EF4-FFF2-40B4-BE49-F238E27FC236}">
-                <a16:creationId xmlns:a16="http://schemas.microsoft.com/office/drawing/2014/main" xmlns="" id="{406A5A75-24F0-496A-82D6-E2B37B100BBD}"/>
+                <a16:creationId xmlns="" xmlns:a16="http://schemas.microsoft.com/office/drawing/2014/main" id="{406A5A75-24F0-496A-82D6-E2B37B100BBD}"/>
               </a:ext>
             </a:extLst>
           </p:cNvPr>
@@ -8542,7 +8542,7 @@
           <p:cNvPr id="126" name="Freeform: Shape 109">
             <a:extLst>
               <a:ext uri="{FF2B5EF4-FFF2-40B4-BE49-F238E27FC236}">
-                <a16:creationId xmlns:a16="http://schemas.microsoft.com/office/drawing/2014/main" xmlns="" id="{B8C3E14B-EBB2-49A7-9A4E-9C6AFAF9A364}"/>
+                <a16:creationId xmlns="" xmlns:a16="http://schemas.microsoft.com/office/drawing/2014/main" id="{B8C3E14B-EBB2-49A7-9A4E-9C6AFAF9A364}"/>
               </a:ext>
             </a:extLst>
           </p:cNvPr>
@@ -8694,7 +8694,7 @@
           <p:cNvPr id="127" name="Group 126">
             <a:extLst>
               <a:ext uri="{FF2B5EF4-FFF2-40B4-BE49-F238E27FC236}">
-                <a16:creationId xmlns:a16="http://schemas.microsoft.com/office/drawing/2014/main" xmlns="" id="{8D94F991-2744-4D5C-BE57-A0C261539D2C}"/>
+                <a16:creationId xmlns="" xmlns:a16="http://schemas.microsoft.com/office/drawing/2014/main" id="{8D94F991-2744-4D5C-BE57-A0C261539D2C}"/>
               </a:ext>
             </a:extLst>
           </p:cNvPr>
@@ -8714,7 +8714,7 @@
             <p:cNvPr id="128" name="TextBox 127">
               <a:extLst>
                 <a:ext uri="{FF2B5EF4-FFF2-40B4-BE49-F238E27FC236}">
-                  <a16:creationId xmlns:a16="http://schemas.microsoft.com/office/drawing/2014/main" xmlns="" id="{8721CE74-40AC-4223-B129-B3A270C7429B}"/>
+                  <a16:creationId xmlns="" xmlns:a16="http://schemas.microsoft.com/office/drawing/2014/main" id="{8721CE74-40AC-4223-B129-B3A270C7429B}"/>
                 </a:ext>
               </a:extLst>
             </p:cNvPr>
@@ -8761,7 +8761,7 @@
             <p:cNvPr id="129" name="TextBox 128">
               <a:extLst>
                 <a:ext uri="{FF2B5EF4-FFF2-40B4-BE49-F238E27FC236}">
-                  <a16:creationId xmlns:a16="http://schemas.microsoft.com/office/drawing/2014/main" xmlns="" id="{FC94FF53-E358-452A-A5CE-3296318ABBE9}"/>
+                  <a16:creationId xmlns="" xmlns:a16="http://schemas.microsoft.com/office/drawing/2014/main" id="{FC94FF53-E358-452A-A5CE-3296318ABBE9}"/>
                 </a:ext>
               </a:extLst>
             </p:cNvPr>
@@ -8800,7 +8800,7 @@
           <p:cNvPr id="130" name="Group 129">
             <a:extLst>
               <a:ext uri="{FF2B5EF4-FFF2-40B4-BE49-F238E27FC236}">
-                <a16:creationId xmlns:a16="http://schemas.microsoft.com/office/drawing/2014/main" xmlns="" id="{860A9D1F-EDAE-418D-A3C8-F8109A2B052A}"/>
+                <a16:creationId xmlns="" xmlns:a16="http://schemas.microsoft.com/office/drawing/2014/main" id="{860A9D1F-EDAE-418D-A3C8-F8109A2B052A}"/>
               </a:ext>
             </a:extLst>
           </p:cNvPr>
@@ -8820,7 +8820,7 @@
             <p:cNvPr id="131" name="TextBox 130">
               <a:extLst>
                 <a:ext uri="{FF2B5EF4-FFF2-40B4-BE49-F238E27FC236}">
-                  <a16:creationId xmlns:a16="http://schemas.microsoft.com/office/drawing/2014/main" xmlns="" id="{91705BAF-DCDA-4FDC-8DA1-1FBA870AE5C8}"/>
+                  <a16:creationId xmlns="" xmlns:a16="http://schemas.microsoft.com/office/drawing/2014/main" id="{91705BAF-DCDA-4FDC-8DA1-1FBA870AE5C8}"/>
                 </a:ext>
               </a:extLst>
             </p:cNvPr>
@@ -8867,7 +8867,7 @@
             <p:cNvPr id="132" name="TextBox 131">
               <a:extLst>
                 <a:ext uri="{FF2B5EF4-FFF2-40B4-BE49-F238E27FC236}">
-                  <a16:creationId xmlns:a16="http://schemas.microsoft.com/office/drawing/2014/main" xmlns="" id="{BBD17202-B0A7-4912-9A5D-8F55518824B3}"/>
+                  <a16:creationId xmlns="" xmlns:a16="http://schemas.microsoft.com/office/drawing/2014/main" id="{BBD17202-B0A7-4912-9A5D-8F55518824B3}"/>
                 </a:ext>
               </a:extLst>
             </p:cNvPr>
@@ -8906,7 +8906,7 @@
           <p:cNvPr id="133" name="Group 132">
             <a:extLst>
               <a:ext uri="{FF2B5EF4-FFF2-40B4-BE49-F238E27FC236}">
-                <a16:creationId xmlns:a16="http://schemas.microsoft.com/office/drawing/2014/main" xmlns="" id="{1F66AC79-730F-4E07-974E-4F08542F2C4A}"/>
+                <a16:creationId xmlns="" xmlns:a16="http://schemas.microsoft.com/office/drawing/2014/main" id="{1F66AC79-730F-4E07-974E-4F08542F2C4A}"/>
               </a:ext>
             </a:extLst>
           </p:cNvPr>
@@ -8926,7 +8926,7 @@
             <p:cNvPr id="134" name="TextBox 133">
               <a:extLst>
                 <a:ext uri="{FF2B5EF4-FFF2-40B4-BE49-F238E27FC236}">
-                  <a16:creationId xmlns:a16="http://schemas.microsoft.com/office/drawing/2014/main" xmlns="" id="{D025EBC6-5731-4D97-B58C-0E0C20D47817}"/>
+                  <a16:creationId xmlns="" xmlns:a16="http://schemas.microsoft.com/office/drawing/2014/main" id="{D025EBC6-5731-4D97-B58C-0E0C20D47817}"/>
                 </a:ext>
               </a:extLst>
             </p:cNvPr>
@@ -8973,7 +8973,7 @@
             <p:cNvPr id="135" name="TextBox 134">
               <a:extLst>
                 <a:ext uri="{FF2B5EF4-FFF2-40B4-BE49-F238E27FC236}">
-                  <a16:creationId xmlns:a16="http://schemas.microsoft.com/office/drawing/2014/main" xmlns="" id="{B38973E8-8FEC-48EF-89C3-A1086AD31515}"/>
+                  <a16:creationId xmlns="" xmlns:a16="http://schemas.microsoft.com/office/drawing/2014/main" id="{B38973E8-8FEC-48EF-89C3-A1086AD31515}"/>
                 </a:ext>
               </a:extLst>
             </p:cNvPr>
@@ -9215,7 +9215,7 @@
           <p:cNvPr id="39" name="Group 38">
             <a:extLst>
               <a:ext uri="{FF2B5EF4-FFF2-40B4-BE49-F238E27FC236}">
-                <a16:creationId xmlns:a16="http://schemas.microsoft.com/office/drawing/2014/main" xmlns="" id="{A87830BE-EEF7-4034-8ABE-3212DB467DB4}"/>
+                <a16:creationId xmlns="" xmlns:a16="http://schemas.microsoft.com/office/drawing/2014/main" id="{A87830BE-EEF7-4034-8ABE-3212DB467DB4}"/>
               </a:ext>
             </a:extLst>
           </p:cNvPr>
@@ -9235,7 +9235,7 @@
             <p:cNvPr id="40" name="Rectangle: Top Corners Rounded 104">
               <a:extLst>
                 <a:ext uri="{FF2B5EF4-FFF2-40B4-BE49-F238E27FC236}">
-                  <a16:creationId xmlns:a16="http://schemas.microsoft.com/office/drawing/2014/main" xmlns="" id="{F1B87F23-BD02-4DB3-947D-2F61C5B87FEF}"/>
+                  <a16:creationId xmlns="" xmlns:a16="http://schemas.microsoft.com/office/drawing/2014/main" id="{F1B87F23-BD02-4DB3-947D-2F61C5B87FEF}"/>
                 </a:ext>
               </a:extLst>
             </p:cNvPr>
@@ -9290,7 +9290,7 @@
             <p:cNvPr id="41" name="TextBox 40">
               <a:extLst>
                 <a:ext uri="{FF2B5EF4-FFF2-40B4-BE49-F238E27FC236}">
-                  <a16:creationId xmlns:a16="http://schemas.microsoft.com/office/drawing/2014/main" xmlns="" id="{5D8301A0-49D9-41A5-A227-2E35458E6401}"/>
+                  <a16:creationId xmlns="" xmlns:a16="http://schemas.microsoft.com/office/drawing/2014/main" id="{5D8301A0-49D9-41A5-A227-2E35458E6401}"/>
                 </a:ext>
               </a:extLst>
             </p:cNvPr>
@@ -9328,7 +9328,7 @@
             <p:cNvPr id="42" name="TextBox 41">
               <a:extLst>
                 <a:ext uri="{FF2B5EF4-FFF2-40B4-BE49-F238E27FC236}">
-                  <a16:creationId xmlns:a16="http://schemas.microsoft.com/office/drawing/2014/main" xmlns="" id="{236675CF-5B12-4D6B-8C03-F29656450255}"/>
+                  <a16:creationId xmlns="" xmlns:a16="http://schemas.microsoft.com/office/drawing/2014/main" id="{236675CF-5B12-4D6B-8C03-F29656450255}"/>
                 </a:ext>
               </a:extLst>
             </p:cNvPr>
@@ -9376,7 +9376,7 @@
           <p:cNvPr id="43" name="Freeform: Shape 107">
             <a:extLst>
               <a:ext uri="{FF2B5EF4-FFF2-40B4-BE49-F238E27FC236}">
-                <a16:creationId xmlns:a16="http://schemas.microsoft.com/office/drawing/2014/main" xmlns="" id="{48958204-CE05-4E79-AC55-C76FBB79E37F}"/>
+                <a16:creationId xmlns="" xmlns:a16="http://schemas.microsoft.com/office/drawing/2014/main" id="{48958204-CE05-4E79-AC55-C76FBB79E37F}"/>
               </a:ext>
             </a:extLst>
           </p:cNvPr>
@@ -9528,7 +9528,7 @@
           <p:cNvPr id="44" name="Group 43">
             <a:extLst>
               <a:ext uri="{FF2B5EF4-FFF2-40B4-BE49-F238E27FC236}">
-                <a16:creationId xmlns:a16="http://schemas.microsoft.com/office/drawing/2014/main" xmlns="" id="{8D94F991-2744-4D5C-BE57-A0C261539D2C}"/>
+                <a16:creationId xmlns="" xmlns:a16="http://schemas.microsoft.com/office/drawing/2014/main" id="{8D94F991-2744-4D5C-BE57-A0C261539D2C}"/>
               </a:ext>
             </a:extLst>
           </p:cNvPr>
@@ -9548,7 +9548,7 @@
             <p:cNvPr id="45" name="TextBox 44">
               <a:extLst>
                 <a:ext uri="{FF2B5EF4-FFF2-40B4-BE49-F238E27FC236}">
-                  <a16:creationId xmlns:a16="http://schemas.microsoft.com/office/drawing/2014/main" xmlns="" id="{8721CE74-40AC-4223-B129-B3A270C7429B}"/>
+                  <a16:creationId xmlns="" xmlns:a16="http://schemas.microsoft.com/office/drawing/2014/main" id="{8721CE74-40AC-4223-B129-B3A270C7429B}"/>
                 </a:ext>
               </a:extLst>
             </p:cNvPr>
@@ -9595,7 +9595,7 @@
             <p:cNvPr id="46" name="TextBox 45">
               <a:extLst>
                 <a:ext uri="{FF2B5EF4-FFF2-40B4-BE49-F238E27FC236}">
-                  <a16:creationId xmlns:a16="http://schemas.microsoft.com/office/drawing/2014/main" xmlns="" id="{FC94FF53-E358-452A-A5CE-3296318ABBE9}"/>
+                  <a16:creationId xmlns="" xmlns:a16="http://schemas.microsoft.com/office/drawing/2014/main" id="{FC94FF53-E358-452A-A5CE-3296318ABBE9}"/>
                 </a:ext>
               </a:extLst>
             </p:cNvPr>
@@ -9680,7 +9680,7 @@
           <p:cNvPr id="48" name="Group 47">
             <a:extLst>
               <a:ext uri="{FF2B5EF4-FFF2-40B4-BE49-F238E27FC236}">
-                <a16:creationId xmlns:a16="http://schemas.microsoft.com/office/drawing/2014/main" xmlns="" id="{12310FCA-56F2-4778-94B7-C1B5FD53AE20}"/>
+                <a16:creationId xmlns="" xmlns:a16="http://schemas.microsoft.com/office/drawing/2014/main" id="{12310FCA-56F2-4778-94B7-C1B5FD53AE20}"/>
               </a:ext>
             </a:extLst>
           </p:cNvPr>
@@ -9700,7 +9700,7 @@
             <p:cNvPr id="49" name="Rectangle: Top Corners Rounded 100">
               <a:extLst>
                 <a:ext uri="{FF2B5EF4-FFF2-40B4-BE49-F238E27FC236}">
-                  <a16:creationId xmlns:a16="http://schemas.microsoft.com/office/drawing/2014/main" xmlns="" id="{E792FABC-AA8F-4748-B8FA-DBB9112863AC}"/>
+                  <a16:creationId xmlns="" xmlns:a16="http://schemas.microsoft.com/office/drawing/2014/main" id="{E792FABC-AA8F-4748-B8FA-DBB9112863AC}"/>
                 </a:ext>
               </a:extLst>
             </p:cNvPr>
@@ -9755,7 +9755,7 @@
             <p:cNvPr id="54" name="TextBox 53">
               <a:extLst>
                 <a:ext uri="{FF2B5EF4-FFF2-40B4-BE49-F238E27FC236}">
-                  <a16:creationId xmlns:a16="http://schemas.microsoft.com/office/drawing/2014/main" xmlns="" id="{83919267-9DA5-4811-B4F4-94D72398E7FD}"/>
+                  <a16:creationId xmlns="" xmlns:a16="http://schemas.microsoft.com/office/drawing/2014/main" id="{83919267-9DA5-4811-B4F4-94D72398E7FD}"/>
                 </a:ext>
               </a:extLst>
             </p:cNvPr>
@@ -9793,7 +9793,7 @@
             <p:cNvPr id="59" name="TextBox 58">
               <a:extLst>
                 <a:ext uri="{FF2B5EF4-FFF2-40B4-BE49-F238E27FC236}">
-                  <a16:creationId xmlns:a16="http://schemas.microsoft.com/office/drawing/2014/main" xmlns="" id="{FECB41C1-3E79-45AA-B100-38C9E092C776}"/>
+                  <a16:creationId xmlns="" xmlns:a16="http://schemas.microsoft.com/office/drawing/2014/main" id="{FECB41C1-3E79-45AA-B100-38C9E092C776}"/>
                 </a:ext>
               </a:extLst>
             </p:cNvPr>
@@ -9835,7 +9835,7 @@
           <p:cNvPr id="60" name="Freeform: Shape 108">
             <a:extLst>
               <a:ext uri="{FF2B5EF4-FFF2-40B4-BE49-F238E27FC236}">
-                <a16:creationId xmlns:a16="http://schemas.microsoft.com/office/drawing/2014/main" xmlns="" id="{406A5A75-24F0-496A-82D6-E2B37B100BBD}"/>
+                <a16:creationId xmlns="" xmlns:a16="http://schemas.microsoft.com/office/drawing/2014/main" id="{406A5A75-24F0-496A-82D6-E2B37B100BBD}"/>
               </a:ext>
             </a:extLst>
           </p:cNvPr>
@@ -9987,7 +9987,7 @@
           <p:cNvPr id="61" name="Group 60">
             <a:extLst>
               <a:ext uri="{FF2B5EF4-FFF2-40B4-BE49-F238E27FC236}">
-                <a16:creationId xmlns:a16="http://schemas.microsoft.com/office/drawing/2014/main" xmlns="" id="{860A9D1F-EDAE-418D-A3C8-F8109A2B052A}"/>
+                <a16:creationId xmlns="" xmlns:a16="http://schemas.microsoft.com/office/drawing/2014/main" id="{860A9D1F-EDAE-418D-A3C8-F8109A2B052A}"/>
               </a:ext>
             </a:extLst>
           </p:cNvPr>
@@ -10007,7 +10007,7 @@
             <p:cNvPr id="62" name="TextBox 61">
               <a:extLst>
                 <a:ext uri="{FF2B5EF4-FFF2-40B4-BE49-F238E27FC236}">
-                  <a16:creationId xmlns:a16="http://schemas.microsoft.com/office/drawing/2014/main" xmlns="" id="{91705BAF-DCDA-4FDC-8DA1-1FBA870AE5C8}"/>
+                  <a16:creationId xmlns="" xmlns:a16="http://schemas.microsoft.com/office/drawing/2014/main" id="{91705BAF-DCDA-4FDC-8DA1-1FBA870AE5C8}"/>
                 </a:ext>
               </a:extLst>
             </p:cNvPr>
@@ -10054,7 +10054,7 @@
             <p:cNvPr id="63" name="TextBox 62">
               <a:extLst>
                 <a:ext uri="{FF2B5EF4-FFF2-40B4-BE49-F238E27FC236}">
-                  <a16:creationId xmlns:a16="http://schemas.microsoft.com/office/drawing/2014/main" xmlns="" id="{BBD17202-B0A7-4912-9A5D-8F55518824B3}"/>
+                  <a16:creationId xmlns="" xmlns:a16="http://schemas.microsoft.com/office/drawing/2014/main" id="{BBD17202-B0A7-4912-9A5D-8F55518824B3}"/>
                 </a:ext>
               </a:extLst>
             </p:cNvPr>
@@ -10141,7 +10141,7 @@
     </p:spTree>
     <p:extLst>
       <p:ext uri="{BB962C8B-B14F-4D97-AF65-F5344CB8AC3E}">
-        <p14:creationId xmlns:p14="http://schemas.microsoft.com/office/powerpoint/2010/main" xmlns="" val="2001706127"/>
+        <p14:creationId xmlns:p14="http://schemas.microsoft.com/office/powerpoint/2010/main" val="2001706127"/>
       </p:ext>
     </p:extLst>
   </p:cSld>
@@ -10149,7 +10149,7 @@
     <a:masterClrMapping/>
   </p:clrMapOvr>
   <mc:AlternateContent xmlns:mc="http://schemas.openxmlformats.org/markup-compatibility/2006">
-    <mc:Choice xmlns:p159="http://schemas.microsoft.com/office/powerpoint/2015/09/main" xmlns="" Requires="p159">
+    <mc:Choice xmlns="" xmlns:p159="http://schemas.microsoft.com/office/powerpoint/2015/09/main" Requires="p159">
       <p:transition spd="med">
         <p159:morph option="byObject"/>
       </p:transition>
@@ -12026,7 +12026,7 @@
           <p:cNvPr id="2" name="Group 37">
             <a:extLst>
               <a:ext uri="{FF2B5EF4-FFF2-40B4-BE49-F238E27FC236}">
-                <a16:creationId xmlns:a16="http://schemas.microsoft.com/office/drawing/2014/main" xmlns="" id="{63E93C38-ECA5-4094-81E9-196A3BD19EBD}"/>
+                <a16:creationId xmlns="" xmlns:a16="http://schemas.microsoft.com/office/drawing/2014/main" id="{63E93C38-ECA5-4094-81E9-196A3BD19EBD}"/>
               </a:ext>
             </a:extLst>
           </p:cNvPr>
@@ -12046,7 +12046,7 @@
             <p:cNvPr id="39" name="Rectangle 38">
               <a:extLst>
                 <a:ext uri="{FF2B5EF4-FFF2-40B4-BE49-F238E27FC236}">
-                  <a16:creationId xmlns:a16="http://schemas.microsoft.com/office/drawing/2014/main" xmlns="" id="{5C85080E-7B66-43F0-AB4D-3A69B13C005A}"/>
+                  <a16:creationId xmlns="" xmlns:a16="http://schemas.microsoft.com/office/drawing/2014/main" id="{5C85080E-7B66-43F0-AB4D-3A69B13C005A}"/>
                 </a:ext>
               </a:extLst>
             </p:cNvPr>
@@ -12107,7 +12107,7 @@
             <p:cNvPr id="40" name="Freeform: Shape 39">
               <a:extLst>
                 <a:ext uri="{FF2B5EF4-FFF2-40B4-BE49-F238E27FC236}">
-                  <a16:creationId xmlns:a16="http://schemas.microsoft.com/office/drawing/2014/main" xmlns="" id="{405DAC1A-9BF8-460E-8D8B-77BFB6B27FF9}"/>
+                  <a16:creationId xmlns="" xmlns:a16="http://schemas.microsoft.com/office/drawing/2014/main" id="{405DAC1A-9BF8-460E-8D8B-77BFB6B27FF9}"/>
                 </a:ext>
               </a:extLst>
             </p:cNvPr>
@@ -12214,7 +12214,7 @@
             <p:cNvPr id="41" name="TextBox 40">
               <a:extLst>
                 <a:ext uri="{FF2B5EF4-FFF2-40B4-BE49-F238E27FC236}">
-                  <a16:creationId xmlns:a16="http://schemas.microsoft.com/office/drawing/2014/main" xmlns="" id="{90DCA374-CD21-448B-8791-8A04A9A9A552}"/>
+                  <a16:creationId xmlns="" xmlns:a16="http://schemas.microsoft.com/office/drawing/2014/main" id="{90DCA374-CD21-448B-8791-8A04A9A9A552}"/>
                 </a:ext>
               </a:extLst>
             </p:cNvPr>
@@ -12262,7 +12262,7 @@
           <p:cNvPr id="3" name="Group 42">
             <a:extLst>
               <a:ext uri="{FF2B5EF4-FFF2-40B4-BE49-F238E27FC236}">
-                <a16:creationId xmlns:a16="http://schemas.microsoft.com/office/drawing/2014/main" xmlns="" id="{B02914A7-C65F-4EFB-8FF4-9BB283DC3935}"/>
+                <a16:creationId xmlns="" xmlns:a16="http://schemas.microsoft.com/office/drawing/2014/main" id="{B02914A7-C65F-4EFB-8FF4-9BB283DC3935}"/>
               </a:ext>
             </a:extLst>
           </p:cNvPr>
@@ -12282,7 +12282,7 @@
             <p:cNvPr id="44" name="Rectangle 43">
               <a:extLst>
                 <a:ext uri="{FF2B5EF4-FFF2-40B4-BE49-F238E27FC236}">
-                  <a16:creationId xmlns:a16="http://schemas.microsoft.com/office/drawing/2014/main" xmlns="" id="{99DA66B2-8A11-4397-B997-59A37787FEF8}"/>
+                  <a16:creationId xmlns="" xmlns:a16="http://schemas.microsoft.com/office/drawing/2014/main" id="{99DA66B2-8A11-4397-B997-59A37787FEF8}"/>
                 </a:ext>
               </a:extLst>
             </p:cNvPr>
@@ -12343,7 +12343,7 @@
             <p:cNvPr id="45" name="Freeform: Shape 44">
               <a:extLst>
                 <a:ext uri="{FF2B5EF4-FFF2-40B4-BE49-F238E27FC236}">
-                  <a16:creationId xmlns:a16="http://schemas.microsoft.com/office/drawing/2014/main" xmlns="" id="{71A8923D-952E-459F-92C0-CCE4C5E45F88}"/>
+                  <a16:creationId xmlns="" xmlns:a16="http://schemas.microsoft.com/office/drawing/2014/main" id="{71A8923D-952E-459F-92C0-CCE4C5E45F88}"/>
                 </a:ext>
               </a:extLst>
             </p:cNvPr>
@@ -12450,7 +12450,7 @@
             <p:cNvPr id="46" name="TextBox 45">
               <a:extLst>
                 <a:ext uri="{FF2B5EF4-FFF2-40B4-BE49-F238E27FC236}">
-                  <a16:creationId xmlns:a16="http://schemas.microsoft.com/office/drawing/2014/main" xmlns="" id="{DD73F442-B2F9-477E-B4DE-956CBA09D9C3}"/>
+                  <a16:creationId xmlns="" xmlns:a16="http://schemas.microsoft.com/office/drawing/2014/main" id="{DD73F442-B2F9-477E-B4DE-956CBA09D9C3}"/>
                 </a:ext>
               </a:extLst>
             </p:cNvPr>
@@ -12609,10 +12609,63 @@
           </a:p>
         </p:txBody>
       </p:sp>
+      <p:sp>
+        <p:nvSpPr>
+          <p:cNvPr id="14" name="Rectangle 13"/>
+          <p:cNvSpPr/>
+          <p:nvPr/>
+        </p:nvSpPr>
+        <p:spPr>
+          <a:xfrm>
+            <a:off x="1882587" y="4020987"/>
+            <a:ext cx="8109551" cy="477054"/>
+          </a:xfrm>
+          <a:prstGeom prst="rect">
+            <a:avLst/>
+          </a:prstGeom>
+        </p:spPr>
+        <p:txBody>
+          <a:bodyPr wrap="square">
+            <a:spAutoFit/>
+          </a:bodyPr>
+          <a:lstStyle/>
+          <a:p>
+            <a:pPr>
+              <a:buFont typeface="Arial" pitchFamily="34" charset="0"/>
+              <a:buChar char="•"/>
+            </a:pPr>
+            <a:r>
+              <a:rPr lang="en-US" sz="2500" dirty="0" smtClean="0">
+                <a:latin typeface="Times New Roman" pitchFamily="18" charset="0"/>
+                <a:cs typeface="Times New Roman" pitchFamily="18" charset="0"/>
+              </a:rPr>
+              <a:t> </a:t>
+            </a:r>
+            <a:r>
+              <a:rPr lang="en-US" sz="2500" dirty="0" smtClean="0">
+                <a:latin typeface="Times New Roman" pitchFamily="18" charset="0"/>
+                <a:cs typeface="Times New Roman" pitchFamily="18" charset="0"/>
+              </a:rPr>
+              <a:t>Difficult to access the records of  customer</a:t>
+            </a:r>
+            <a:r>
+              <a:rPr lang="en-US" sz="2500" dirty="0" smtClean="0">
+                <a:latin typeface="Times New Roman" pitchFamily="18" charset="0"/>
+                <a:cs typeface="Times New Roman" pitchFamily="18" charset="0"/>
+              </a:rPr>
+              <a:t>.</a:t>
+            </a:r>
+            <a:endParaRPr lang="en-IN" sz="2500" dirty="0">
+              <a:latin typeface="Times New Roman" pitchFamily="18" charset="0"/>
+              <a:cs typeface="Times New Roman" pitchFamily="18" charset="0"/>
+            </a:endParaRPr>
+          </a:p>
+        </p:txBody>
+      </p:sp>
     </p:spTree>
     <p:extLst>
       <p:ext uri="{BB962C8B-B14F-4D97-AF65-F5344CB8AC3E}">
-        <p14:creationId xmlns:p14="http://schemas.microsoft.com/office/powerpoint/2010/main" xmlns="" val="1396948566"/>
+        <p14:creationId xmlns:p14="http://schemas.microsoft.com/office/powerpoint/2010/main" val="1396948566"/>
       </p:ext>
     </p:extLst>
   </p:cSld>
@@ -12654,7 +12707,7 @@
           <p:cNvPr id="60" name="Group 59">
             <a:extLst>
               <a:ext uri="{FF2B5EF4-FFF2-40B4-BE49-F238E27FC236}">
-                <a16:creationId xmlns:a16="http://schemas.microsoft.com/office/drawing/2014/main" xmlns="" id="{7728BA24-99D1-4E44-98AC-50745A94AD6C}"/>
+                <a16:creationId xmlns="" xmlns:a16="http://schemas.microsoft.com/office/drawing/2014/main" id="{7728BA24-99D1-4E44-98AC-50745A94AD6C}"/>
               </a:ext>
             </a:extLst>
           </p:cNvPr>
@@ -12674,7 +12727,7 @@
             <p:cNvPr id="61" name="Rectangle 60">
               <a:extLst>
                 <a:ext uri="{FF2B5EF4-FFF2-40B4-BE49-F238E27FC236}">
-                  <a16:creationId xmlns:a16="http://schemas.microsoft.com/office/drawing/2014/main" xmlns="" id="{1079FD4E-778D-428A-B08F-1B97893971C7}"/>
+                  <a16:creationId xmlns="" xmlns:a16="http://schemas.microsoft.com/office/drawing/2014/main" id="{1079FD4E-778D-428A-B08F-1B97893971C7}"/>
                 </a:ext>
               </a:extLst>
             </p:cNvPr>
@@ -12735,7 +12788,7 @@
             <p:cNvPr id="62" name="Freeform: Shape 61">
               <a:extLst>
                 <a:ext uri="{FF2B5EF4-FFF2-40B4-BE49-F238E27FC236}">
-                  <a16:creationId xmlns:a16="http://schemas.microsoft.com/office/drawing/2014/main" xmlns="" id="{67DB4514-65BA-420D-BBB3-CCF0A5B397CB}"/>
+                  <a16:creationId xmlns="" xmlns:a16="http://schemas.microsoft.com/office/drawing/2014/main" id="{67DB4514-65BA-420D-BBB3-CCF0A5B397CB}"/>
                 </a:ext>
               </a:extLst>
             </p:cNvPr>
@@ -12842,7 +12895,7 @@
             <p:cNvPr id="63" name="TextBox 62">
               <a:extLst>
                 <a:ext uri="{FF2B5EF4-FFF2-40B4-BE49-F238E27FC236}">
-                  <a16:creationId xmlns:a16="http://schemas.microsoft.com/office/drawing/2014/main" xmlns="" id="{F86CE46E-7143-4535-BF09-36D36B082851}"/>
+                  <a16:creationId xmlns="" xmlns:a16="http://schemas.microsoft.com/office/drawing/2014/main" id="{F86CE46E-7143-4535-BF09-36D36B082851}"/>
                 </a:ext>
               </a:extLst>
             </p:cNvPr>
@@ -12890,7 +12943,7 @@
           <p:cNvPr id="65" name="Group 64">
             <a:extLst>
               <a:ext uri="{FF2B5EF4-FFF2-40B4-BE49-F238E27FC236}">
-                <a16:creationId xmlns:a16="http://schemas.microsoft.com/office/drawing/2014/main" xmlns="" id="{2704DBF9-F2DF-4744-9CBE-8384BF790E0F}"/>
+                <a16:creationId xmlns="" xmlns:a16="http://schemas.microsoft.com/office/drawing/2014/main" id="{2704DBF9-F2DF-4744-9CBE-8384BF790E0F}"/>
               </a:ext>
             </a:extLst>
           </p:cNvPr>
@@ -12910,7 +12963,7 @@
             <p:cNvPr id="66" name="Rectangle 65">
               <a:extLst>
                 <a:ext uri="{FF2B5EF4-FFF2-40B4-BE49-F238E27FC236}">
-                  <a16:creationId xmlns:a16="http://schemas.microsoft.com/office/drawing/2014/main" xmlns="" id="{D409FCBC-490E-4134-BE82-9429CE5AB00A}"/>
+                  <a16:creationId xmlns="" xmlns:a16="http://schemas.microsoft.com/office/drawing/2014/main" id="{D409FCBC-490E-4134-BE82-9429CE5AB00A}"/>
                 </a:ext>
               </a:extLst>
             </p:cNvPr>
@@ -12971,7 +13024,7 @@
             <p:cNvPr id="67" name="Freeform: Shape 66">
               <a:extLst>
                 <a:ext uri="{FF2B5EF4-FFF2-40B4-BE49-F238E27FC236}">
-                  <a16:creationId xmlns:a16="http://schemas.microsoft.com/office/drawing/2014/main" xmlns="" id="{484E2370-4D03-4FD0-B29C-F763767296D4}"/>
+                  <a16:creationId xmlns="" xmlns:a16="http://schemas.microsoft.com/office/drawing/2014/main" id="{484E2370-4D03-4FD0-B29C-F763767296D4}"/>
                 </a:ext>
               </a:extLst>
             </p:cNvPr>
@@ -13078,7 +13131,7 @@
             <p:cNvPr id="68" name="TextBox 67">
               <a:extLst>
                 <a:ext uri="{FF2B5EF4-FFF2-40B4-BE49-F238E27FC236}">
-                  <a16:creationId xmlns:a16="http://schemas.microsoft.com/office/drawing/2014/main" xmlns="" id="{CE5F8F51-D3FD-42A1-8372-1B4B1B7C336A}"/>
+                  <a16:creationId xmlns="" xmlns:a16="http://schemas.microsoft.com/office/drawing/2014/main" id="{CE5F8F51-D3FD-42A1-8372-1B4B1B7C336A}"/>
                 </a:ext>
               </a:extLst>
             </p:cNvPr>
@@ -13651,7 +13704,7 @@
     </p:spTree>
     <p:extLst>
       <p:ext uri="{BB962C8B-B14F-4D97-AF65-F5344CB8AC3E}">
-        <p14:creationId xmlns:p14="http://schemas.microsoft.com/office/powerpoint/2010/main" xmlns="" val="2624499212"/>
+        <p14:creationId xmlns:p14="http://schemas.microsoft.com/office/powerpoint/2010/main" val="2624499212"/>
       </p:ext>
     </p:extLst>
   </p:cSld>
@@ -13693,7 +13746,7 @@
           <p:cNvPr id="2" name="Group 59">
             <a:extLst>
               <a:ext uri="{FF2B5EF4-FFF2-40B4-BE49-F238E27FC236}">
-                <a16:creationId xmlns:a16="http://schemas.microsoft.com/office/drawing/2014/main" xmlns="" id="{7728BA24-99D1-4E44-98AC-50745A94AD6C}"/>
+                <a16:creationId xmlns="" xmlns:a16="http://schemas.microsoft.com/office/drawing/2014/main" id="{7728BA24-99D1-4E44-98AC-50745A94AD6C}"/>
               </a:ext>
             </a:extLst>
           </p:cNvPr>
@@ -13713,7 +13766,7 @@
             <p:cNvPr id="61" name="Rectangle 60">
               <a:extLst>
                 <a:ext uri="{FF2B5EF4-FFF2-40B4-BE49-F238E27FC236}">
-                  <a16:creationId xmlns:a16="http://schemas.microsoft.com/office/drawing/2014/main" xmlns="" id="{1079FD4E-778D-428A-B08F-1B97893971C7}"/>
+                  <a16:creationId xmlns="" xmlns:a16="http://schemas.microsoft.com/office/drawing/2014/main" id="{1079FD4E-778D-428A-B08F-1B97893971C7}"/>
                 </a:ext>
               </a:extLst>
             </p:cNvPr>
@@ -13774,7 +13827,7 @@
             <p:cNvPr id="62" name="Freeform: Shape 61">
               <a:extLst>
                 <a:ext uri="{FF2B5EF4-FFF2-40B4-BE49-F238E27FC236}">
-                  <a16:creationId xmlns:a16="http://schemas.microsoft.com/office/drawing/2014/main" xmlns="" id="{67DB4514-65BA-420D-BBB3-CCF0A5B397CB}"/>
+                  <a16:creationId xmlns="" xmlns:a16="http://schemas.microsoft.com/office/drawing/2014/main" id="{67DB4514-65BA-420D-BBB3-CCF0A5B397CB}"/>
                 </a:ext>
               </a:extLst>
             </p:cNvPr>
@@ -13881,7 +13934,7 @@
             <p:cNvPr id="63" name="TextBox 62">
               <a:extLst>
                 <a:ext uri="{FF2B5EF4-FFF2-40B4-BE49-F238E27FC236}">
-                  <a16:creationId xmlns:a16="http://schemas.microsoft.com/office/drawing/2014/main" xmlns="" id="{F86CE46E-7143-4535-BF09-36D36B082851}"/>
+                  <a16:creationId xmlns="" xmlns:a16="http://schemas.microsoft.com/office/drawing/2014/main" id="{F86CE46E-7143-4535-BF09-36D36B082851}"/>
                 </a:ext>
               </a:extLst>
             </p:cNvPr>
@@ -13929,7 +13982,7 @@
           <p:cNvPr id="3" name="Group 64">
             <a:extLst>
               <a:ext uri="{FF2B5EF4-FFF2-40B4-BE49-F238E27FC236}">
-                <a16:creationId xmlns:a16="http://schemas.microsoft.com/office/drawing/2014/main" xmlns="" id="{2704DBF9-F2DF-4744-9CBE-8384BF790E0F}"/>
+                <a16:creationId xmlns="" xmlns:a16="http://schemas.microsoft.com/office/drawing/2014/main" id="{2704DBF9-F2DF-4744-9CBE-8384BF790E0F}"/>
               </a:ext>
             </a:extLst>
           </p:cNvPr>
@@ -13949,7 +14002,7 @@
             <p:cNvPr id="66" name="Rectangle 65">
               <a:extLst>
                 <a:ext uri="{FF2B5EF4-FFF2-40B4-BE49-F238E27FC236}">
-                  <a16:creationId xmlns:a16="http://schemas.microsoft.com/office/drawing/2014/main" xmlns="" id="{D409FCBC-490E-4134-BE82-9429CE5AB00A}"/>
+                  <a16:creationId xmlns="" xmlns:a16="http://schemas.microsoft.com/office/drawing/2014/main" id="{D409FCBC-490E-4134-BE82-9429CE5AB00A}"/>
                 </a:ext>
               </a:extLst>
             </p:cNvPr>
@@ -14010,7 +14063,7 @@
             <p:cNvPr id="67" name="Freeform: Shape 66">
               <a:extLst>
                 <a:ext uri="{FF2B5EF4-FFF2-40B4-BE49-F238E27FC236}">
-                  <a16:creationId xmlns:a16="http://schemas.microsoft.com/office/drawing/2014/main" xmlns="" id="{484E2370-4D03-4FD0-B29C-F763767296D4}"/>
+                  <a16:creationId xmlns="" xmlns:a16="http://schemas.microsoft.com/office/drawing/2014/main" id="{484E2370-4D03-4FD0-B29C-F763767296D4}"/>
                 </a:ext>
               </a:extLst>
             </p:cNvPr>
@@ -14117,7 +14170,7 @@
             <p:cNvPr id="68" name="TextBox 67">
               <a:extLst>
                 <a:ext uri="{FF2B5EF4-FFF2-40B4-BE49-F238E27FC236}">
-                  <a16:creationId xmlns:a16="http://schemas.microsoft.com/office/drawing/2014/main" xmlns="" id="{CE5F8F51-D3FD-42A1-8372-1B4B1B7C336A}"/>
+                  <a16:creationId xmlns="" xmlns:a16="http://schemas.microsoft.com/office/drawing/2014/main" id="{CE5F8F51-D3FD-42A1-8372-1B4B1B7C336A}"/>
                 </a:ext>
               </a:extLst>
             </p:cNvPr>
@@ -15603,7 +15656,7 @@
     </p:spTree>
     <p:extLst>
       <p:ext uri="{BB962C8B-B14F-4D97-AF65-F5344CB8AC3E}">
-        <p14:creationId xmlns:p14="http://schemas.microsoft.com/office/powerpoint/2010/main" xmlns="" val="2624499212"/>
+        <p14:creationId xmlns:p14="http://schemas.microsoft.com/office/powerpoint/2010/main" val="2624499212"/>
       </p:ext>
     </p:extLst>
   </p:cSld>
@@ -15645,7 +15698,7 @@
           <p:cNvPr id="2" name="Group 59">
             <a:extLst>
               <a:ext uri="{FF2B5EF4-FFF2-40B4-BE49-F238E27FC236}">
-                <a16:creationId xmlns:a16="http://schemas.microsoft.com/office/drawing/2014/main" xmlns="" id="{7728BA24-99D1-4E44-98AC-50745A94AD6C}"/>
+                <a16:creationId xmlns="" xmlns:a16="http://schemas.microsoft.com/office/drawing/2014/main" id="{7728BA24-99D1-4E44-98AC-50745A94AD6C}"/>
               </a:ext>
             </a:extLst>
           </p:cNvPr>
@@ -15665,7 +15718,7 @@
             <p:cNvPr id="61" name="Rectangle 60">
               <a:extLst>
                 <a:ext uri="{FF2B5EF4-FFF2-40B4-BE49-F238E27FC236}">
-                  <a16:creationId xmlns:a16="http://schemas.microsoft.com/office/drawing/2014/main" xmlns="" id="{1079FD4E-778D-428A-B08F-1B97893971C7}"/>
+                  <a16:creationId xmlns="" xmlns:a16="http://schemas.microsoft.com/office/drawing/2014/main" id="{1079FD4E-778D-428A-B08F-1B97893971C7}"/>
                 </a:ext>
               </a:extLst>
             </p:cNvPr>
@@ -15726,7 +15779,7 @@
             <p:cNvPr id="62" name="Freeform: Shape 61">
               <a:extLst>
                 <a:ext uri="{FF2B5EF4-FFF2-40B4-BE49-F238E27FC236}">
-                  <a16:creationId xmlns:a16="http://schemas.microsoft.com/office/drawing/2014/main" xmlns="" id="{67DB4514-65BA-420D-BBB3-CCF0A5B397CB}"/>
+                  <a16:creationId xmlns="" xmlns:a16="http://schemas.microsoft.com/office/drawing/2014/main" id="{67DB4514-65BA-420D-BBB3-CCF0A5B397CB}"/>
                 </a:ext>
               </a:extLst>
             </p:cNvPr>
@@ -15833,7 +15886,7 @@
             <p:cNvPr id="63" name="TextBox 62">
               <a:extLst>
                 <a:ext uri="{FF2B5EF4-FFF2-40B4-BE49-F238E27FC236}">
-                  <a16:creationId xmlns:a16="http://schemas.microsoft.com/office/drawing/2014/main" xmlns="" id="{F86CE46E-7143-4535-BF09-36D36B082851}"/>
+                  <a16:creationId xmlns="" xmlns:a16="http://schemas.microsoft.com/office/drawing/2014/main" id="{F86CE46E-7143-4535-BF09-36D36B082851}"/>
                 </a:ext>
               </a:extLst>
             </p:cNvPr>
@@ -15881,7 +15934,7 @@
           <p:cNvPr id="3" name="Group 64">
             <a:extLst>
               <a:ext uri="{FF2B5EF4-FFF2-40B4-BE49-F238E27FC236}">
-                <a16:creationId xmlns:a16="http://schemas.microsoft.com/office/drawing/2014/main" xmlns="" id="{2704DBF9-F2DF-4744-9CBE-8384BF790E0F}"/>
+                <a16:creationId xmlns="" xmlns:a16="http://schemas.microsoft.com/office/drawing/2014/main" id="{2704DBF9-F2DF-4744-9CBE-8384BF790E0F}"/>
               </a:ext>
             </a:extLst>
           </p:cNvPr>
@@ -15901,7 +15954,7 @@
             <p:cNvPr id="66" name="Rectangle 65">
               <a:extLst>
                 <a:ext uri="{FF2B5EF4-FFF2-40B4-BE49-F238E27FC236}">
-                  <a16:creationId xmlns:a16="http://schemas.microsoft.com/office/drawing/2014/main" xmlns="" id="{D409FCBC-490E-4134-BE82-9429CE5AB00A}"/>
+                  <a16:creationId xmlns="" xmlns:a16="http://schemas.microsoft.com/office/drawing/2014/main" id="{D409FCBC-490E-4134-BE82-9429CE5AB00A}"/>
                 </a:ext>
               </a:extLst>
             </p:cNvPr>
@@ -15962,7 +16015,7 @@
             <p:cNvPr id="67" name="Freeform: Shape 66">
               <a:extLst>
                 <a:ext uri="{FF2B5EF4-FFF2-40B4-BE49-F238E27FC236}">
-                  <a16:creationId xmlns:a16="http://schemas.microsoft.com/office/drawing/2014/main" xmlns="" id="{484E2370-4D03-4FD0-B29C-F763767296D4}"/>
+                  <a16:creationId xmlns="" xmlns:a16="http://schemas.microsoft.com/office/drawing/2014/main" id="{484E2370-4D03-4FD0-B29C-F763767296D4}"/>
                 </a:ext>
               </a:extLst>
             </p:cNvPr>
@@ -16069,7 +16122,7 @@
             <p:cNvPr id="68" name="TextBox 67">
               <a:extLst>
                 <a:ext uri="{FF2B5EF4-FFF2-40B4-BE49-F238E27FC236}">
-                  <a16:creationId xmlns:a16="http://schemas.microsoft.com/office/drawing/2014/main" xmlns="" id="{CE5F8F51-D3FD-42A1-8372-1B4B1B7C336A}"/>
+                  <a16:creationId xmlns="" xmlns:a16="http://schemas.microsoft.com/office/drawing/2014/main" id="{CE5F8F51-D3FD-42A1-8372-1B4B1B7C336A}"/>
                 </a:ext>
               </a:extLst>
             </p:cNvPr>
@@ -16431,7 +16484,7 @@
     </p:spTree>
     <p:extLst>
       <p:ext uri="{BB962C8B-B14F-4D97-AF65-F5344CB8AC3E}">
-        <p14:creationId xmlns:p14="http://schemas.microsoft.com/office/powerpoint/2010/main" xmlns="" val="2624499212"/>
+        <p14:creationId xmlns:p14="http://schemas.microsoft.com/office/powerpoint/2010/main" val="2624499212"/>
       </p:ext>
     </p:extLst>
   </p:cSld>
@@ -16473,7 +16526,7 @@
           <p:cNvPr id="2" name="Group 59">
             <a:extLst>
               <a:ext uri="{FF2B5EF4-FFF2-40B4-BE49-F238E27FC236}">
-                <a16:creationId xmlns:a16="http://schemas.microsoft.com/office/drawing/2014/main" xmlns="" id="{7728BA24-99D1-4E44-98AC-50745A94AD6C}"/>
+                <a16:creationId xmlns="" xmlns:a16="http://schemas.microsoft.com/office/drawing/2014/main" id="{7728BA24-99D1-4E44-98AC-50745A94AD6C}"/>
               </a:ext>
             </a:extLst>
           </p:cNvPr>
@@ -16493,7 +16546,7 @@
             <p:cNvPr id="61" name="Rectangle 60">
               <a:extLst>
                 <a:ext uri="{FF2B5EF4-FFF2-40B4-BE49-F238E27FC236}">
-                  <a16:creationId xmlns:a16="http://schemas.microsoft.com/office/drawing/2014/main" xmlns="" id="{1079FD4E-778D-428A-B08F-1B97893971C7}"/>
+                  <a16:creationId xmlns="" xmlns:a16="http://schemas.microsoft.com/office/drawing/2014/main" id="{1079FD4E-778D-428A-B08F-1B97893971C7}"/>
                 </a:ext>
               </a:extLst>
             </p:cNvPr>
@@ -16554,7 +16607,7 @@
             <p:cNvPr id="62" name="Freeform: Shape 61">
               <a:extLst>
                 <a:ext uri="{FF2B5EF4-FFF2-40B4-BE49-F238E27FC236}">
-                  <a16:creationId xmlns:a16="http://schemas.microsoft.com/office/drawing/2014/main" xmlns="" id="{67DB4514-65BA-420D-BBB3-CCF0A5B397CB}"/>
+                  <a16:creationId xmlns="" xmlns:a16="http://schemas.microsoft.com/office/drawing/2014/main" id="{67DB4514-65BA-420D-BBB3-CCF0A5B397CB}"/>
                 </a:ext>
               </a:extLst>
             </p:cNvPr>
@@ -16661,7 +16714,7 @@
             <p:cNvPr id="63" name="TextBox 62">
               <a:extLst>
                 <a:ext uri="{FF2B5EF4-FFF2-40B4-BE49-F238E27FC236}">
-                  <a16:creationId xmlns:a16="http://schemas.microsoft.com/office/drawing/2014/main" xmlns="" id="{F86CE46E-7143-4535-BF09-36D36B082851}"/>
+                  <a16:creationId xmlns="" xmlns:a16="http://schemas.microsoft.com/office/drawing/2014/main" id="{F86CE46E-7143-4535-BF09-36D36B082851}"/>
                 </a:ext>
               </a:extLst>
             </p:cNvPr>
@@ -16709,7 +16762,7 @@
           <p:cNvPr id="3" name="Group 64">
             <a:extLst>
               <a:ext uri="{FF2B5EF4-FFF2-40B4-BE49-F238E27FC236}">
-                <a16:creationId xmlns:a16="http://schemas.microsoft.com/office/drawing/2014/main" xmlns="" id="{2704DBF9-F2DF-4744-9CBE-8384BF790E0F}"/>
+                <a16:creationId xmlns="" xmlns:a16="http://schemas.microsoft.com/office/drawing/2014/main" id="{2704DBF9-F2DF-4744-9CBE-8384BF790E0F}"/>
               </a:ext>
             </a:extLst>
           </p:cNvPr>
@@ -16729,7 +16782,7 @@
             <p:cNvPr id="66" name="Rectangle 65">
               <a:extLst>
                 <a:ext uri="{FF2B5EF4-FFF2-40B4-BE49-F238E27FC236}">
-                  <a16:creationId xmlns:a16="http://schemas.microsoft.com/office/drawing/2014/main" xmlns="" id="{D409FCBC-490E-4134-BE82-9429CE5AB00A}"/>
+                  <a16:creationId xmlns="" xmlns:a16="http://schemas.microsoft.com/office/drawing/2014/main" id="{D409FCBC-490E-4134-BE82-9429CE5AB00A}"/>
                 </a:ext>
               </a:extLst>
             </p:cNvPr>
@@ -16790,7 +16843,7 @@
             <p:cNvPr id="67" name="Freeform: Shape 66">
               <a:extLst>
                 <a:ext uri="{FF2B5EF4-FFF2-40B4-BE49-F238E27FC236}">
-                  <a16:creationId xmlns:a16="http://schemas.microsoft.com/office/drawing/2014/main" xmlns="" id="{484E2370-4D03-4FD0-B29C-F763767296D4}"/>
+                  <a16:creationId xmlns="" xmlns:a16="http://schemas.microsoft.com/office/drawing/2014/main" id="{484E2370-4D03-4FD0-B29C-F763767296D4}"/>
                 </a:ext>
               </a:extLst>
             </p:cNvPr>
@@ -16897,7 +16950,7 @@
             <p:cNvPr id="68" name="TextBox 67">
               <a:extLst>
                 <a:ext uri="{FF2B5EF4-FFF2-40B4-BE49-F238E27FC236}">
-                  <a16:creationId xmlns:a16="http://schemas.microsoft.com/office/drawing/2014/main" xmlns="" id="{CE5F8F51-D3FD-42A1-8372-1B4B1B7C336A}"/>
+                  <a16:creationId xmlns="" xmlns:a16="http://schemas.microsoft.com/office/drawing/2014/main" id="{CE5F8F51-D3FD-42A1-8372-1B4B1B7C336A}"/>
                 </a:ext>
               </a:extLst>
             </p:cNvPr>
@@ -17010,7 +17063,7 @@
     </p:spTree>
     <p:extLst>
       <p:ext uri="{BB962C8B-B14F-4D97-AF65-F5344CB8AC3E}">
-        <p14:creationId xmlns:p14="http://schemas.microsoft.com/office/powerpoint/2010/main" xmlns="" val="2624499212"/>
+        <p14:creationId xmlns:p14="http://schemas.microsoft.com/office/powerpoint/2010/main" val="2624499212"/>
       </p:ext>
     </p:extLst>
   </p:cSld>
@@ -17052,7 +17105,7 @@
           <p:cNvPr id="2" name="Group 59">
             <a:extLst>
               <a:ext uri="{FF2B5EF4-FFF2-40B4-BE49-F238E27FC236}">
-                <a16:creationId xmlns:a16="http://schemas.microsoft.com/office/drawing/2014/main" xmlns="" id="{7728BA24-99D1-4E44-98AC-50745A94AD6C}"/>
+                <a16:creationId xmlns="" xmlns:a16="http://schemas.microsoft.com/office/drawing/2014/main" id="{7728BA24-99D1-4E44-98AC-50745A94AD6C}"/>
               </a:ext>
             </a:extLst>
           </p:cNvPr>
@@ -17072,7 +17125,7 @@
             <p:cNvPr id="61" name="Rectangle 60">
               <a:extLst>
                 <a:ext uri="{FF2B5EF4-FFF2-40B4-BE49-F238E27FC236}">
-                  <a16:creationId xmlns:a16="http://schemas.microsoft.com/office/drawing/2014/main" xmlns="" id="{1079FD4E-778D-428A-B08F-1B97893971C7}"/>
+                  <a16:creationId xmlns="" xmlns:a16="http://schemas.microsoft.com/office/drawing/2014/main" id="{1079FD4E-778D-428A-B08F-1B97893971C7}"/>
                 </a:ext>
               </a:extLst>
             </p:cNvPr>
@@ -17133,7 +17186,7 @@
             <p:cNvPr id="62" name="Freeform: Shape 61">
               <a:extLst>
                 <a:ext uri="{FF2B5EF4-FFF2-40B4-BE49-F238E27FC236}">
-                  <a16:creationId xmlns:a16="http://schemas.microsoft.com/office/drawing/2014/main" xmlns="" id="{67DB4514-65BA-420D-BBB3-CCF0A5B397CB}"/>
+                  <a16:creationId xmlns="" xmlns:a16="http://schemas.microsoft.com/office/drawing/2014/main" id="{67DB4514-65BA-420D-BBB3-CCF0A5B397CB}"/>
                 </a:ext>
               </a:extLst>
             </p:cNvPr>
@@ -17240,7 +17293,7 @@
             <p:cNvPr id="63" name="TextBox 62">
               <a:extLst>
                 <a:ext uri="{FF2B5EF4-FFF2-40B4-BE49-F238E27FC236}">
-                  <a16:creationId xmlns:a16="http://schemas.microsoft.com/office/drawing/2014/main" xmlns="" id="{F86CE46E-7143-4535-BF09-36D36B082851}"/>
+                  <a16:creationId xmlns="" xmlns:a16="http://schemas.microsoft.com/office/drawing/2014/main" id="{F86CE46E-7143-4535-BF09-36D36B082851}"/>
                 </a:ext>
               </a:extLst>
             </p:cNvPr>
@@ -17288,7 +17341,7 @@
           <p:cNvPr id="3" name="Group 64">
             <a:extLst>
               <a:ext uri="{FF2B5EF4-FFF2-40B4-BE49-F238E27FC236}">
-                <a16:creationId xmlns:a16="http://schemas.microsoft.com/office/drawing/2014/main" xmlns="" id="{2704DBF9-F2DF-4744-9CBE-8384BF790E0F}"/>
+                <a16:creationId xmlns="" xmlns:a16="http://schemas.microsoft.com/office/drawing/2014/main" id="{2704DBF9-F2DF-4744-9CBE-8384BF790E0F}"/>
               </a:ext>
             </a:extLst>
           </p:cNvPr>
@@ -17308,7 +17361,7 @@
             <p:cNvPr id="66" name="Rectangle 65">
               <a:extLst>
                 <a:ext uri="{FF2B5EF4-FFF2-40B4-BE49-F238E27FC236}">
-                  <a16:creationId xmlns:a16="http://schemas.microsoft.com/office/drawing/2014/main" xmlns="" id="{D409FCBC-490E-4134-BE82-9429CE5AB00A}"/>
+                  <a16:creationId xmlns="" xmlns:a16="http://schemas.microsoft.com/office/drawing/2014/main" id="{D409FCBC-490E-4134-BE82-9429CE5AB00A}"/>
                 </a:ext>
               </a:extLst>
             </p:cNvPr>
@@ -17369,7 +17422,7 @@
             <p:cNvPr id="67" name="Freeform: Shape 66">
               <a:extLst>
                 <a:ext uri="{FF2B5EF4-FFF2-40B4-BE49-F238E27FC236}">
-                  <a16:creationId xmlns:a16="http://schemas.microsoft.com/office/drawing/2014/main" xmlns="" id="{484E2370-4D03-4FD0-B29C-F763767296D4}"/>
+                  <a16:creationId xmlns="" xmlns:a16="http://schemas.microsoft.com/office/drawing/2014/main" id="{484E2370-4D03-4FD0-B29C-F763767296D4}"/>
                 </a:ext>
               </a:extLst>
             </p:cNvPr>
@@ -17476,7 +17529,7 @@
             <p:cNvPr id="68" name="TextBox 67">
               <a:extLst>
                 <a:ext uri="{FF2B5EF4-FFF2-40B4-BE49-F238E27FC236}">
-                  <a16:creationId xmlns:a16="http://schemas.microsoft.com/office/drawing/2014/main" xmlns="" id="{CE5F8F51-D3FD-42A1-8372-1B4B1B7C336A}"/>
+                  <a16:creationId xmlns="" xmlns:a16="http://schemas.microsoft.com/office/drawing/2014/main" id="{CE5F8F51-D3FD-42A1-8372-1B4B1B7C336A}"/>
                 </a:ext>
               </a:extLst>
             </p:cNvPr>
@@ -17589,7 +17642,7 @@
     </p:spTree>
     <p:extLst>
       <p:ext uri="{BB962C8B-B14F-4D97-AF65-F5344CB8AC3E}">
-        <p14:creationId xmlns:p14="http://schemas.microsoft.com/office/powerpoint/2010/main" xmlns="" val="2409703232"/>
+        <p14:creationId xmlns:p14="http://schemas.microsoft.com/office/powerpoint/2010/main" val="2409703232"/>
       </p:ext>
     </p:extLst>
   </p:cSld>
@@ -17631,7 +17684,7 @@
           <p:cNvPr id="2" name="Group 59">
             <a:extLst>
               <a:ext uri="{FF2B5EF4-FFF2-40B4-BE49-F238E27FC236}">
-                <a16:creationId xmlns:a16="http://schemas.microsoft.com/office/drawing/2014/main" xmlns="" id="{7728BA24-99D1-4E44-98AC-50745A94AD6C}"/>
+                <a16:creationId xmlns="" xmlns:a16="http://schemas.microsoft.com/office/drawing/2014/main" id="{7728BA24-99D1-4E44-98AC-50745A94AD6C}"/>
               </a:ext>
             </a:extLst>
           </p:cNvPr>
@@ -17651,7 +17704,7 @@
             <p:cNvPr id="61" name="Rectangle 60">
               <a:extLst>
                 <a:ext uri="{FF2B5EF4-FFF2-40B4-BE49-F238E27FC236}">
-                  <a16:creationId xmlns:a16="http://schemas.microsoft.com/office/drawing/2014/main" xmlns="" id="{1079FD4E-778D-428A-B08F-1B97893971C7}"/>
+                  <a16:creationId xmlns="" xmlns:a16="http://schemas.microsoft.com/office/drawing/2014/main" id="{1079FD4E-778D-428A-B08F-1B97893971C7}"/>
                 </a:ext>
               </a:extLst>
             </p:cNvPr>
@@ -17712,7 +17765,7 @@
             <p:cNvPr id="62" name="Freeform: Shape 61">
               <a:extLst>
                 <a:ext uri="{FF2B5EF4-FFF2-40B4-BE49-F238E27FC236}">
-                  <a16:creationId xmlns:a16="http://schemas.microsoft.com/office/drawing/2014/main" xmlns="" id="{67DB4514-65BA-420D-BBB3-CCF0A5B397CB}"/>
+                  <a16:creationId xmlns="" xmlns:a16="http://schemas.microsoft.com/office/drawing/2014/main" id="{67DB4514-65BA-420D-BBB3-CCF0A5B397CB}"/>
                 </a:ext>
               </a:extLst>
             </p:cNvPr>
@@ -17819,7 +17872,7 @@
             <p:cNvPr id="63" name="TextBox 62">
               <a:extLst>
                 <a:ext uri="{FF2B5EF4-FFF2-40B4-BE49-F238E27FC236}">
-                  <a16:creationId xmlns:a16="http://schemas.microsoft.com/office/drawing/2014/main" xmlns="" id="{F86CE46E-7143-4535-BF09-36D36B082851}"/>
+                  <a16:creationId xmlns="" xmlns:a16="http://schemas.microsoft.com/office/drawing/2014/main" id="{F86CE46E-7143-4535-BF09-36D36B082851}"/>
                 </a:ext>
               </a:extLst>
             </p:cNvPr>
@@ -17867,7 +17920,7 @@
           <p:cNvPr id="3" name="Group 64">
             <a:extLst>
               <a:ext uri="{FF2B5EF4-FFF2-40B4-BE49-F238E27FC236}">
-                <a16:creationId xmlns:a16="http://schemas.microsoft.com/office/drawing/2014/main" xmlns="" id="{2704DBF9-F2DF-4744-9CBE-8384BF790E0F}"/>
+                <a16:creationId xmlns="" xmlns:a16="http://schemas.microsoft.com/office/drawing/2014/main" id="{2704DBF9-F2DF-4744-9CBE-8384BF790E0F}"/>
               </a:ext>
             </a:extLst>
           </p:cNvPr>
@@ -17887,7 +17940,7 @@
             <p:cNvPr id="66" name="Rectangle 65">
               <a:extLst>
                 <a:ext uri="{FF2B5EF4-FFF2-40B4-BE49-F238E27FC236}">
-                  <a16:creationId xmlns:a16="http://schemas.microsoft.com/office/drawing/2014/main" xmlns="" id="{D409FCBC-490E-4134-BE82-9429CE5AB00A}"/>
+                  <a16:creationId xmlns="" xmlns:a16="http://schemas.microsoft.com/office/drawing/2014/main" id="{D409FCBC-490E-4134-BE82-9429CE5AB00A}"/>
                 </a:ext>
               </a:extLst>
             </p:cNvPr>
@@ -17948,7 +18001,7 @@
             <p:cNvPr id="67" name="Freeform: Shape 66">
               <a:extLst>
                 <a:ext uri="{FF2B5EF4-FFF2-40B4-BE49-F238E27FC236}">
-                  <a16:creationId xmlns:a16="http://schemas.microsoft.com/office/drawing/2014/main" xmlns="" id="{484E2370-4D03-4FD0-B29C-F763767296D4}"/>
+                  <a16:creationId xmlns="" xmlns:a16="http://schemas.microsoft.com/office/drawing/2014/main" id="{484E2370-4D03-4FD0-B29C-F763767296D4}"/>
                 </a:ext>
               </a:extLst>
             </p:cNvPr>
@@ -18055,7 +18108,7 @@
             <p:cNvPr id="68" name="TextBox 67">
               <a:extLst>
                 <a:ext uri="{FF2B5EF4-FFF2-40B4-BE49-F238E27FC236}">
-                  <a16:creationId xmlns:a16="http://schemas.microsoft.com/office/drawing/2014/main" xmlns="" id="{CE5F8F51-D3FD-42A1-8372-1B4B1B7C336A}"/>
+                  <a16:creationId xmlns="" xmlns:a16="http://schemas.microsoft.com/office/drawing/2014/main" id="{CE5F8F51-D3FD-42A1-8372-1B4B1B7C336A}"/>
                 </a:ext>
               </a:extLst>
             </p:cNvPr>
@@ -18168,7 +18221,7 @@
     </p:spTree>
     <p:extLst>
       <p:ext uri="{BB962C8B-B14F-4D97-AF65-F5344CB8AC3E}">
-        <p14:creationId xmlns:p14="http://schemas.microsoft.com/office/powerpoint/2010/main" xmlns="" val="1310689047"/>
+        <p14:creationId xmlns:p14="http://schemas.microsoft.com/office/powerpoint/2010/main" val="1310689047"/>
       </p:ext>
     </p:extLst>
   </p:cSld>
@@ -18477,7 +18530,7 @@
   <a:extraClrSchemeLst/>
   <a:extLst>
     <a:ext uri="{05A4C25C-085E-4340-85A3-A5531E510DB2}">
-      <thm15:themeFamily xmlns:thm15="http://schemas.microsoft.com/office/thememl/2012/main" xmlns="" name="Office Theme" id="{62F939B6-93AF-4DB8-9C6B-D6C7DFDC589F}" vid="{4A3C46E8-61CC-4603-A589-7422A47A8E4A}"/>
+      <thm15:themeFamily xmlns:thm15="http://schemas.microsoft.com/office/thememl/2012/main" name="Office Theme" id="{62F939B6-93AF-4DB8-9C6B-D6C7DFDC589F}" vid="{4A3C46E8-61CC-4603-A589-7422A47A8E4A}"/>
     </a:ext>
   </a:extLst>
 </a:theme>
